--- a/Time series project/documentation/slides.pptx
+++ b/Time series project/documentation/slides.pptx
@@ -1277,7 +1277,7 @@
           <a:p>
             <a:fld id="{8DC85F60-0429-014B-94F4-5F04CDE84950}" type="datetimeFigureOut">
               <a:rPr lang="it-IT" smtClean="0"/>
-              <a:t>15/02/2024</a:t>
+              <a:t>18/02/2024</a:t>
             </a:fld>
             <a:endParaRPr lang="it-IT"/>
           </a:p>
@@ -1713,6 +1713,90 @@
 </file>
 
 <file path=ppt/notesSlides/notesSlide3.xml><?xml version="1.0" encoding="utf-8"?>
+<p:notes xmlns:a="http://schemas.openxmlformats.org/drawingml/2006/main" xmlns:r="http://schemas.openxmlformats.org/officeDocument/2006/relationships" xmlns:p="http://schemas.openxmlformats.org/presentationml/2006/main">
+  <p:cSld>
+    <p:spTree>
+      <p:nvGrpSpPr>
+        <p:cNvPr id="1" name=""/>
+        <p:cNvGrpSpPr/>
+        <p:nvPr/>
+      </p:nvGrpSpPr>
+      <p:grpSpPr>
+        <a:xfrm>
+          <a:off x="0" y="0"/>
+          <a:ext cx="0" cy="0"/>
+          <a:chOff x="0" y="0"/>
+          <a:chExt cx="0" cy="0"/>
+        </a:xfrm>
+      </p:grpSpPr>
+      <p:sp>
+        <p:nvSpPr>
+          <p:cNvPr id="2" name="Slide Image Placeholder 1"/>
+          <p:cNvSpPr>
+            <a:spLocks noGrp="1" noRot="1" noChangeAspect="1"/>
+          </p:cNvSpPr>
+          <p:nvPr>
+            <p:ph type="sldImg"/>
+          </p:nvPr>
+        </p:nvSpPr>
+        <p:spPr/>
+      </p:sp>
+      <p:sp>
+        <p:nvSpPr>
+          <p:cNvPr id="3" name="Notes Placeholder 2"/>
+          <p:cNvSpPr>
+            <a:spLocks noGrp="1"/>
+          </p:cNvSpPr>
+          <p:nvPr>
+            <p:ph type="body" idx="1"/>
+          </p:nvPr>
+        </p:nvSpPr>
+        <p:spPr/>
+        <p:txBody>
+          <a:bodyPr/>
+          <a:lstStyle/>
+          <a:p>
+            <a:endParaRPr lang="it-IT" dirty="0"/>
+          </a:p>
+        </p:txBody>
+      </p:sp>
+      <p:sp>
+        <p:nvSpPr>
+          <p:cNvPr id="4" name="Slide Number Placeholder 3"/>
+          <p:cNvSpPr>
+            <a:spLocks noGrp="1"/>
+          </p:cNvSpPr>
+          <p:nvPr>
+            <p:ph type="sldNum" sz="quarter" idx="5"/>
+          </p:nvPr>
+        </p:nvSpPr>
+        <p:spPr/>
+        <p:txBody>
+          <a:bodyPr/>
+          <a:lstStyle/>
+          <a:p>
+            <a:fld id="{BF57F3DC-54A1-8348-9B9C-E6CA6C4BBF26}" type="slidenum">
+              <a:rPr lang="it-IT" smtClean="0"/>
+              <a:t>7</a:t>
+            </a:fld>
+            <a:endParaRPr lang="it-IT"/>
+          </a:p>
+        </p:txBody>
+      </p:sp>
+    </p:spTree>
+    <p:extLst>
+      <p:ext uri="{BB962C8B-B14F-4D97-AF65-F5344CB8AC3E}">
+        <p14:creationId xmlns:p14="http://schemas.microsoft.com/office/powerpoint/2010/main" val="2774208987"/>
+      </p:ext>
+    </p:extLst>
+  </p:cSld>
+  <p:clrMapOvr>
+    <a:masterClrMapping/>
+  </p:clrMapOvr>
+</p:notes>
+</file>
+
+<file path=ppt/notesSlides/notesSlide4.xml><?xml version="1.0" encoding="utf-8"?>
 <p:notes xmlns:a="http://schemas.openxmlformats.org/drawingml/2006/main" xmlns:r="http://schemas.openxmlformats.org/officeDocument/2006/relationships" xmlns:p="http://schemas.openxmlformats.org/presentationml/2006/main">
   <p:cSld>
     <p:spTree>
@@ -12259,8 +12343,8 @@
         </p:nvSpPr>
         <p:spPr>
           <a:xfrm>
-            <a:off x="770678" y="1687398"/>
-            <a:ext cx="6685924" cy="4101987"/>
+            <a:off x="770677" y="1687398"/>
+            <a:ext cx="6949875" cy="4101987"/>
           </a:xfrm>
         </p:spPr>
         <p:txBody>
@@ -12277,7 +12361,19 @@
               <a:rPr lang="en-US" dirty="0">
                 <a:latin typeface="+mn-lt"/>
               </a:rPr>
-              <a:t>Prophet is a model for forecasting time series data based on an additive model where non-linear trends are fit with yearly, weekly, and daily seasonality, plus holiday effects</a:t>
+              <a:t>Prophet is a model for forecasting time series data based on an </a:t>
+            </a:r>
+            <a:r>
+              <a:rPr lang="en-US" b="1" dirty="0">
+                <a:latin typeface="+mn-lt"/>
+              </a:rPr>
+              <a:t>additive regression model </a:t>
+            </a:r>
+            <a:r>
+              <a:rPr lang="en-US" dirty="0">
+                <a:latin typeface="+mn-lt"/>
+              </a:rPr>
+              <a:t>where non-linear trends are fit with yearly, weekly, and daily seasonality, plus holiday effects</a:t>
             </a:r>
           </a:p>
           <a:p>
@@ -12289,7 +12385,19 @@
               <a:rPr lang="en-US" dirty="0">
                 <a:latin typeface="+mn-lt"/>
               </a:rPr>
-              <a:t>It works best with time series that have strong seasonal effects and several seasons of historical data</a:t>
+              <a:t>It works best with time series that have </a:t>
+            </a:r>
+            <a:r>
+              <a:rPr lang="en-US" b="1" dirty="0">
+                <a:latin typeface="+mn-lt"/>
+              </a:rPr>
+              <a:t>strong seasonal effects</a:t>
+            </a:r>
+            <a:r>
+              <a:rPr lang="en-US" dirty="0">
+                <a:latin typeface="+mn-lt"/>
+              </a:rPr>
+              <a:t> and several seasons of historical data</a:t>
             </a:r>
           </a:p>
           <a:p>
@@ -12301,7 +12409,19 @@
               <a:rPr lang="en-US" dirty="0">
                 <a:latin typeface="+mn-lt"/>
               </a:rPr>
-              <a:t>Prophet is robust to missing data and shifts in the trend, and typically handles outliers well.</a:t>
+              <a:t>Prophet is </a:t>
+            </a:r>
+            <a:r>
+              <a:rPr lang="en-US" b="1" dirty="0">
+                <a:latin typeface="+mn-lt"/>
+              </a:rPr>
+              <a:t>robust</a:t>
+            </a:r>
+            <a:r>
+              <a:rPr lang="en-US" dirty="0">
+                <a:latin typeface="+mn-lt"/>
+              </a:rPr>
+              <a:t> to missing data and shifts in the trend, and typically handles outliers well.</a:t>
             </a:r>
           </a:p>
           <a:p>
@@ -12313,7 +12433,19 @@
               <a:rPr lang="en-US" dirty="0">
                 <a:latin typeface="+mn-lt"/>
               </a:rPr>
-              <a:t>Prophet automatically detects and models various components of time-series data including trend, seasonality, and holiday effects.</a:t>
+              <a:t>Prophet </a:t>
+            </a:r>
+            <a:r>
+              <a:rPr lang="en-US" b="1" dirty="0">
+                <a:latin typeface="+mn-lt"/>
+              </a:rPr>
+              <a:t>automatically detects </a:t>
+            </a:r>
+            <a:r>
+              <a:rPr lang="en-US" dirty="0">
+                <a:latin typeface="+mn-lt"/>
+              </a:rPr>
+              <a:t>and models various components of time-series data including trend, seasonality, and holiday effects.</a:t>
             </a:r>
           </a:p>
           <a:p>
@@ -12539,7 +12671,7 @@
             </a:pPr>
             <a:r>
               <a:rPr lang="en-US" sz="1600" dirty="0"/>
-              <a:t>A yearly seasonal component modeled using Fourier series.</a:t>
+              <a:t>Seasonal seasonal component modeled using Fourier series/dummy variables.</a:t>
             </a:r>
           </a:p>
           <a:p>
@@ -12549,16 +12681,17 @@
             </a:pPr>
             <a:r>
               <a:rPr lang="en-US" sz="1600" dirty="0"/>
-              <a:t>A weekly seasonal component using dummy variables.</a:t>
-            </a:r>
-          </a:p>
-          <a:p>
-            <a:pPr lvl="1" indent="0">
-              <a:buNone/>
+              <a:t>Holiday effect, user can provide list </a:t>
+            </a:r>
+          </a:p>
+          <a:p>
+            <a:pPr marL="1028700" lvl="1" indent="-342900">
+              <a:buFont typeface="+mj-lt"/>
+              <a:buAutoNum type="arabicPeriod"/>
             </a:pPr>
             <a:r>
               <a:rPr lang="en-US" sz="1600" dirty="0"/>
-              <a:t>* A user can provide list of important holidays.</a:t>
+              <a:t>Random error</a:t>
             </a:r>
           </a:p>
           <a:p>
@@ -12661,7 +12794,9 @@
             <a:endParaRPr lang="it-IT" sz="1600" dirty="0"/>
           </a:p>
           <a:p>
-            <a:pPr marL="1028700" lvl="1" indent="-342900"/>
+            <a:pPr lvl="1" indent="0">
+              <a:buNone/>
+            </a:pPr>
             <a:endParaRPr lang="it-IT" dirty="0"/>
           </a:p>
         </p:txBody>
@@ -13218,7 +13353,7 @@
         </p:nvSpPr>
         <p:spPr>
           <a:xfrm>
-            <a:off x="7884642" y="4630741"/>
+            <a:off x="7839551" y="2543478"/>
             <a:ext cx="3813890" cy="307777"/>
           </a:xfrm>
           <a:prstGeom prst="rect">
@@ -13270,14 +13405,88 @@
         </p:blipFill>
         <p:spPr>
           <a:xfrm>
-            <a:off x="7480449" y="1501905"/>
-            <a:ext cx="4622276" cy="2804662"/>
+            <a:off x="7990803" y="348792"/>
+            <a:ext cx="3511387" cy="2130607"/>
           </a:xfrm>
           <a:prstGeom prst="rect">
             <a:avLst/>
           </a:prstGeom>
         </p:spPr>
       </p:pic>
+      <p:pic>
+        <p:nvPicPr>
+          <p:cNvPr id="4" name="Picture 3" descr="A diagram of a gate&#10;&#10;Description automatically generated">
+            <a:extLst>
+              <a:ext uri="{FF2B5EF4-FFF2-40B4-BE49-F238E27FC236}">
+                <a16:creationId xmlns:a16="http://schemas.microsoft.com/office/drawing/2014/main" id="{13418321-D425-1AB0-AA27-F0D1D110E76C}"/>
+              </a:ext>
+            </a:extLst>
+          </p:cNvPr>
+          <p:cNvPicPr>
+            <a:picLocks noChangeAspect="1"/>
+          </p:cNvPicPr>
+          <p:nvPr/>
+        </p:nvPicPr>
+        <p:blipFill>
+          <a:blip r:embed="rId3"/>
+          <a:stretch>
+            <a:fillRect/>
+          </a:stretch>
+        </p:blipFill>
+        <p:spPr>
+          <a:xfrm>
+            <a:off x="7495760" y="2872933"/>
+            <a:ext cx="4454447" cy="2839709"/>
+          </a:xfrm>
+          <a:prstGeom prst="rect">
+            <a:avLst/>
+          </a:prstGeom>
+        </p:spPr>
+      </p:pic>
+      <p:sp>
+        <p:nvSpPr>
+          <p:cNvPr id="5" name="TextBox 4">
+            <a:extLst>
+              <a:ext uri="{FF2B5EF4-FFF2-40B4-BE49-F238E27FC236}">
+                <a16:creationId xmlns:a16="http://schemas.microsoft.com/office/drawing/2014/main" id="{60F0F08B-2F48-5C3C-9F29-17BEE298634A}"/>
+              </a:ext>
+            </a:extLst>
+          </p:cNvPr>
+          <p:cNvSpPr txBox="1"/>
+          <p:nvPr/>
+        </p:nvSpPr>
+        <p:spPr>
+          <a:xfrm>
+            <a:off x="7839551" y="5558753"/>
+            <a:ext cx="3813890" cy="307777"/>
+          </a:xfrm>
+          <a:prstGeom prst="rect">
+            <a:avLst/>
+          </a:prstGeom>
+          <a:noFill/>
+        </p:spPr>
+        <p:txBody>
+          <a:bodyPr wrap="square" rtlCol="0">
+            <a:spAutoFit/>
+          </a:bodyPr>
+          <a:lstStyle/>
+          <a:p>
+            <a:r>
+              <a:rPr lang="en-US" sz="1400" b="1" dirty="0"/>
+              <a:t>Figure: </a:t>
+            </a:r>
+            <a:r>
+              <a:rPr lang="en-US" sz="1400" dirty="0"/>
+              <a:t>repeating module in an LSTM </a:t>
+            </a:r>
+            <a:r>
+              <a:rPr lang="en-US" sz="1400" b="1" dirty="0"/>
+              <a:t>[6] </a:t>
+            </a:r>
+            <a:endParaRPr lang="it-IT" sz="1400" b="1" dirty="0"/>
+          </a:p>
+        </p:txBody>
+      </p:sp>
     </p:spTree>
     <p:extLst>
       <p:ext uri="{BB962C8B-B14F-4D97-AF65-F5344CB8AC3E}">
@@ -13432,8 +13641,8 @@
           </a:p>
         </p:txBody>
       </p:sp>
-      <mc:AlternateContent xmlns:mc="http://schemas.openxmlformats.org/markup-compatibility/2006" xmlns:a14="http://schemas.microsoft.com/office/drawing/2010/main">
-        <mc:Choice Requires="a14">
+      <mc:AlternateContent xmlns:mc="http://schemas.openxmlformats.org/markup-compatibility/2006">
+        <mc:Choice xmlns:a14="http://schemas.microsoft.com/office/drawing/2010/main" Requires="a14">
           <p:sp>
             <p:nvSpPr>
               <p:cNvPr id="3" name="Content Placeholder 2">
@@ -13518,31 +13727,7 @@
                   <a:rPr lang="en-US" dirty="0">
                     <a:latin typeface="+mn-lt"/>
                   </a:rPr>
-                  <a:t> indicates the max number of </a:t>
-                </a:r>
-                <a:r>
-                  <a:rPr lang="en-US" dirty="0" err="1">
-                    <a:latin typeface="+mn-lt"/>
-                  </a:rPr>
-                  <a:t>slipts</a:t>
-                </a:r>
-                <a:r>
-                  <a:rPr lang="en-US" dirty="0">
-                    <a:latin typeface="+mn-lt"/>
-                  </a:rPr>
-                  <a:t> per decision </a:t>
-                </a:r>
-                <a:r>
-                  <a:rPr lang="en-US" dirty="0" err="1">
-                    <a:latin typeface="+mn-lt"/>
-                  </a:rPr>
-                  <a:t>tree,higher</a:t>
-                </a:r>
-                <a:r>
-                  <a:rPr lang="en-US" dirty="0">
-                    <a:latin typeface="+mn-lt"/>
-                  </a:rPr>
-                  <a:t> value means low bias but high variance </a:t>
+                  <a:t> indicates the max number of splits per decision tree, higher value means low bias but high variance </a:t>
                 </a:r>
               </a:p>
               <a:p>
@@ -13601,7 +13786,7 @@
             </p:txBody>
           </p:sp>
         </mc:Choice>
-        <mc:Fallback xmlns="">
+        <mc:Fallback>
           <p:sp>
             <p:nvSpPr>
               <p:cNvPr id="3" name="Content Placeholder 2">
@@ -16080,43 +16265,13 @@
           <a:lstStyle/>
           <a:p>
             <a:r>
-              <a:rPr lang="en-US" sz="6600" dirty="0"/>
+              <a:rPr lang="en-US" sz="6600"/>
               <a:t>Machine learning conclusions</a:t>
             </a:r>
             <a:endParaRPr lang="it-IT" sz="6600" dirty="0"/>
           </a:p>
         </p:txBody>
       </p:sp>
-      <p:pic>
-        <p:nvPicPr>
-          <p:cNvPr id="7" name="Picture 6">
-            <a:extLst>
-              <a:ext uri="{FF2B5EF4-FFF2-40B4-BE49-F238E27FC236}">
-                <a16:creationId xmlns:a16="http://schemas.microsoft.com/office/drawing/2014/main" id="{B172E3AB-1EB1-5B8A-9F45-53F89DB7FA44}"/>
-              </a:ext>
-            </a:extLst>
-          </p:cNvPr>
-          <p:cNvPicPr>
-            <a:picLocks noChangeAspect="1"/>
-          </p:cNvPicPr>
-          <p:nvPr/>
-        </p:nvPicPr>
-        <p:blipFill>
-          <a:blip r:embed="rId3"/>
-          <a:stretch>
-            <a:fillRect/>
-          </a:stretch>
-        </p:blipFill>
-        <p:spPr>
-          <a:xfrm>
-            <a:off x="2090860" y="1746364"/>
-            <a:ext cx="8010280" cy="1625891"/>
-          </a:xfrm>
-          <a:prstGeom prst="rect">
-            <a:avLst/>
-          </a:prstGeom>
-        </p:spPr>
-      </p:pic>
       <p:pic>
         <p:nvPicPr>
           <p:cNvPr id="9" name="Picture 8">
@@ -16132,7 +16287,7 @@
           <p:nvPr/>
         </p:nvPicPr>
         <p:blipFill>
-          <a:blip r:embed="rId4"/>
+          <a:blip r:embed="rId3"/>
           <a:stretch>
             <a:fillRect/>
           </a:stretch>
@@ -16161,7 +16316,7 @@
         </p:nvSpPr>
         <p:spPr>
           <a:xfrm>
-            <a:off x="2090860" y="3429000"/>
+            <a:off x="2371722" y="3429000"/>
             <a:ext cx="8122728" cy="307777"/>
           </a:xfrm>
           <a:prstGeom prst="rect">
@@ -16176,12 +16331,12 @@
           <a:lstStyle/>
           <a:p>
             <a:r>
-              <a:rPr lang="en-US" sz="1400" b="1" dirty="0"/>
+              <a:rPr lang="en-US" sz="1400" b="1"/>
               <a:t>Figure</a:t>
             </a:r>
             <a:r>
-              <a:rPr lang="en-US" sz="1400" dirty="0"/>
-              <a:t>: models statistics</a:t>
+              <a:rPr lang="en-US" sz="1400"/>
+              <a:t>: model statistics</a:t>
             </a:r>
             <a:endParaRPr lang="it-IT" sz="1400" dirty="0"/>
           </a:p>
@@ -16201,7 +16356,7 @@
         </p:nvSpPr>
         <p:spPr>
           <a:xfrm>
-            <a:off x="2090860" y="5428273"/>
+            <a:off x="2371722" y="5428273"/>
             <a:ext cx="8122728" cy="307777"/>
           </a:xfrm>
           <a:prstGeom prst="rect">
@@ -16216,25 +16371,47 @@
           <a:lstStyle/>
           <a:p>
             <a:r>
-              <a:rPr lang="en-US" sz="1400" b="1" dirty="0"/>
+              <a:rPr lang="en-US" sz="1400" b="1"/>
               <a:t>Figure</a:t>
             </a:r>
             <a:r>
-              <a:rPr lang="en-US" sz="1400" dirty="0"/>
-              <a:t>: </a:t>
-            </a:r>
-            <a:r>
-              <a:rPr lang="en-US" sz="1400" dirty="0" err="1"/>
-              <a:t>Ljung</a:t>
-            </a:r>
-            <a:r>
-              <a:rPr lang="en-US" sz="1400" dirty="0"/>
-              <a:t>-Box results</a:t>
+              <a:rPr lang="en-US" sz="1400"/>
+              <a:t>: Ljung-Box results</a:t>
             </a:r>
             <a:endParaRPr lang="it-IT" sz="1400" dirty="0"/>
           </a:p>
         </p:txBody>
       </p:sp>
+      <p:pic>
+        <p:nvPicPr>
+          <p:cNvPr id="4" name="Picture 3">
+            <a:extLst>
+              <a:ext uri="{FF2B5EF4-FFF2-40B4-BE49-F238E27FC236}">
+                <a16:creationId xmlns:a16="http://schemas.microsoft.com/office/drawing/2014/main" id="{B0E50FBE-D7A4-BB7D-D42F-8D33F41FFCDE}"/>
+              </a:ext>
+            </a:extLst>
+          </p:cNvPr>
+          <p:cNvPicPr>
+            <a:picLocks noChangeAspect="1"/>
+          </p:cNvPicPr>
+          <p:nvPr/>
+        </p:nvPicPr>
+        <p:blipFill>
+          <a:blip r:embed="rId4"/>
+          <a:stretch>
+            <a:fillRect/>
+          </a:stretch>
+        </p:blipFill>
+        <p:spPr>
+          <a:xfrm>
+            <a:off x="2371722" y="1783242"/>
+            <a:ext cx="8041131" cy="1600021"/>
+          </a:xfrm>
+          <a:prstGeom prst="rect">
+            <a:avLst/>
+          </a:prstGeom>
+        </p:spPr>
+      </p:pic>
     </p:spTree>
     <p:extLst>
       <p:ext uri="{BB962C8B-B14F-4D97-AF65-F5344CB8AC3E}">
@@ -17437,31 +17614,19 @@
               <a:rPr lang="en-US" dirty="0">
                 <a:latin typeface="+mn-lt"/>
               </a:rPr>
-              <a:t>Daily data aggregation involves the averaging of hourly measurements and interpolation of related variables, ensuring a consistent daily scale</a:t>
-            </a:r>
-          </a:p>
-          <a:p>
-            <a:pPr marL="285750" indent="-285750">
-              <a:buFont typeface="Arial" panose="020B0604020202020204" pitchFamily="34" charset="0"/>
-              <a:buChar char="•"/>
-            </a:pPr>
+              <a:t>The dataset is constructed by the </a:t>
+            </a:r>
+            <a:r>
+              <a:rPr lang="en-US" dirty="0" err="1">
+                <a:latin typeface="+mn-lt"/>
+              </a:rPr>
+              <a:t>AgrImOnIA</a:t>
+            </a:r>
             <a:r>
               <a:rPr lang="en-US" dirty="0">
                 <a:latin typeface="+mn-lt"/>
               </a:rPr>
-              <a:t>The dataset is constructed by the </a:t>
-            </a:r>
-            <a:r>
-              <a:rPr lang="en-US" dirty="0" err="1">
-                <a:latin typeface="+mn-lt"/>
-              </a:rPr>
-              <a:t>AgrImOnIA</a:t>
-            </a:r>
-            <a:r>
-              <a:rPr lang="en-US" dirty="0">
-                <a:latin typeface="+mn-lt"/>
-              </a:rPr>
-              <a:t>  project and contains 32 variables. NH3 will be used as response variable and the others as covariates in the further analysis </a:t>
+              <a:t>  project and contains 43 variables. NH3 will be used as response variable and the others as covariates in the further analysis </a:t>
             </a:r>
             <a:r>
               <a:rPr lang="en-US" b="1" dirty="0">
@@ -17931,7 +18096,7 @@
               <a:rPr lang="en-US" sz="1400" b="0" dirty="0">
                 <a:latin typeface="+mn-lt"/>
               </a:rPr>
-              <a:t> black box model</a:t>
+              <a:t> model</a:t>
             </a:r>
           </a:p>
           <a:p>
@@ -17940,7 +18105,7 @@
               <a:rPr lang="en-US" sz="1400" dirty="0">
                 <a:latin typeface="+mn-lt"/>
               </a:rPr>
-              <a:t>LTSM (Long short-term memory)</a:t>
+              <a:t>LSTM (Long short-term memory)</a:t>
             </a:r>
             <a:endParaRPr lang="en-US" sz="1400" b="0" dirty="0">
               <a:latin typeface="+mn-lt"/>
@@ -18532,9 +18697,12 @@
 </file>
 
 <file path=customXml/item1.xml><?xml version="1.0" encoding="utf-8"?>
-<p:properties xmlns:p="http://schemas.microsoft.com/office/2006/metadata/properties" xmlns:xsi="http://www.w3.org/2001/XMLSchema-instance" xmlns:pc="http://schemas.microsoft.com/office/infopath/2007/PartnerControls">
-  <documentManagement/>
-</p:properties>
+<?mso-contentType ?>
+<FormTemplates xmlns="http://schemas.microsoft.com/sharepoint/v3/contenttype/forms">
+  <Display>DocumentLibraryForm</Display>
+  <Edit>DocumentLibraryForm</Edit>
+  <New>DocumentLibraryForm</New>
+</FormTemplates>
 </file>
 
 <file path=customXml/item2.xml><?xml version="1.0" encoding="utf-8"?>
@@ -18676,19 +18844,15 @@
 </file>
 
 <file path=customXml/item3.xml><?xml version="1.0" encoding="utf-8"?>
-<?mso-contentType ?>
-<FormTemplates xmlns="http://schemas.microsoft.com/sharepoint/v3/contenttype/forms">
-  <Display>DocumentLibraryForm</Display>
-  <Edit>DocumentLibraryForm</Edit>
-  <New>DocumentLibraryForm</New>
-</FormTemplates>
+<p:properties xmlns:p="http://schemas.microsoft.com/office/2006/metadata/properties" xmlns:xsi="http://www.w3.org/2001/XMLSchema-instance" xmlns:pc="http://schemas.microsoft.com/office/infopath/2007/PartnerControls">
+  <documentManagement/>
+</p:properties>
 </file>
 
 <file path=customXml/itemProps1.xml><?xml version="1.0" encoding="utf-8"?>
-<ds:datastoreItem xmlns:ds="http://schemas.openxmlformats.org/officeDocument/2006/customXml" ds:itemID="{A170CEDD-4D03-4752-A3C8-E0F0233490F4}">
+<ds:datastoreItem xmlns:ds="http://schemas.openxmlformats.org/officeDocument/2006/customXml" ds:itemID="{FD5420AD-F65E-45FC-8478-AAEBB23A9A58}">
   <ds:schemaRefs>
-    <ds:schemaRef ds:uri="http://schemas.microsoft.com/office/2006/metadata/properties"/>
-    <ds:schemaRef ds:uri="http://schemas.microsoft.com/office/infopath/2007/PartnerControls"/>
+    <ds:schemaRef ds:uri="http://schemas.microsoft.com/sharepoint/v3/contenttype/forms"/>
   </ds:schemaRefs>
 </ds:datastoreItem>
 </file>
@@ -18712,9 +18876,10 @@
 </file>
 
 <file path=customXml/itemProps3.xml><?xml version="1.0" encoding="utf-8"?>
-<ds:datastoreItem xmlns:ds="http://schemas.openxmlformats.org/officeDocument/2006/customXml" ds:itemID="{FD5420AD-F65E-45FC-8478-AAEBB23A9A58}">
+<ds:datastoreItem xmlns:ds="http://schemas.openxmlformats.org/officeDocument/2006/customXml" ds:itemID="{A170CEDD-4D03-4752-A3C8-E0F0233490F4}">
   <ds:schemaRefs>
-    <ds:schemaRef ds:uri="http://schemas.microsoft.com/sharepoint/v3/contenttype/forms"/>
+    <ds:schemaRef ds:uri="http://schemas.microsoft.com/office/2006/metadata/properties"/>
+    <ds:schemaRef ds:uri="http://schemas.microsoft.com/office/infopath/2007/PartnerControls"/>
   </ds:schemaRefs>
 </ds:datastoreItem>
 </file>
--- a/Time series project/documentation/slides.pptx
+++ b/Time series project/documentation/slides.pptx
@@ -5,7 +5,7 @@
     <p:sldMasterId id="2147483648" r:id="rId4"/>
   </p:sldMasterIdLst>
   <p:notesMasterIdLst>
-    <p:notesMasterId r:id="rId52"/>
+    <p:notesMasterId r:id="rId53"/>
   </p:notesMasterIdLst>
   <p:sldIdLst>
     <p:sldId id="346" r:id="rId5"/>
@@ -28,33 +28,34 @@
     <p:sldId id="424" r:id="rId22"/>
     <p:sldId id="420" r:id="rId23"/>
     <p:sldId id="421" r:id="rId24"/>
-    <p:sldId id="412" r:id="rId25"/>
-    <p:sldId id="413" r:id="rId26"/>
-    <p:sldId id="422" r:id="rId27"/>
-    <p:sldId id="380" r:id="rId28"/>
-    <p:sldId id="379" r:id="rId29"/>
-    <p:sldId id="385" r:id="rId30"/>
-    <p:sldId id="386" r:id="rId31"/>
-    <p:sldId id="388" r:id="rId32"/>
-    <p:sldId id="391" r:id="rId33"/>
-    <p:sldId id="393" r:id="rId34"/>
-    <p:sldId id="394" r:id="rId35"/>
-    <p:sldId id="395" r:id="rId36"/>
-    <p:sldId id="396" r:id="rId37"/>
-    <p:sldId id="397" r:id="rId38"/>
-    <p:sldId id="399" r:id="rId39"/>
-    <p:sldId id="400" r:id="rId40"/>
-    <p:sldId id="402" r:id="rId41"/>
-    <p:sldId id="401" r:id="rId42"/>
-    <p:sldId id="403" r:id="rId43"/>
-    <p:sldId id="408" r:id="rId44"/>
-    <p:sldId id="405" r:id="rId45"/>
-    <p:sldId id="407" r:id="rId46"/>
-    <p:sldId id="404" r:id="rId47"/>
-    <p:sldId id="409" r:id="rId48"/>
-    <p:sldId id="398" r:id="rId49"/>
-    <p:sldId id="376" r:id="rId50"/>
-    <p:sldId id="406" r:id="rId51"/>
+    <p:sldId id="428" r:id="rId25"/>
+    <p:sldId id="412" r:id="rId26"/>
+    <p:sldId id="413" r:id="rId27"/>
+    <p:sldId id="422" r:id="rId28"/>
+    <p:sldId id="380" r:id="rId29"/>
+    <p:sldId id="379" r:id="rId30"/>
+    <p:sldId id="385" r:id="rId31"/>
+    <p:sldId id="386" r:id="rId32"/>
+    <p:sldId id="388" r:id="rId33"/>
+    <p:sldId id="391" r:id="rId34"/>
+    <p:sldId id="393" r:id="rId35"/>
+    <p:sldId id="394" r:id="rId36"/>
+    <p:sldId id="395" r:id="rId37"/>
+    <p:sldId id="396" r:id="rId38"/>
+    <p:sldId id="397" r:id="rId39"/>
+    <p:sldId id="399" r:id="rId40"/>
+    <p:sldId id="400" r:id="rId41"/>
+    <p:sldId id="402" r:id="rId42"/>
+    <p:sldId id="401" r:id="rId43"/>
+    <p:sldId id="403" r:id="rId44"/>
+    <p:sldId id="408" r:id="rId45"/>
+    <p:sldId id="405" r:id="rId46"/>
+    <p:sldId id="407" r:id="rId47"/>
+    <p:sldId id="404" r:id="rId48"/>
+    <p:sldId id="409" r:id="rId49"/>
+    <p:sldId id="398" r:id="rId50"/>
+    <p:sldId id="376" r:id="rId51"/>
+    <p:sldId id="406" r:id="rId52"/>
   </p:sldIdLst>
   <p:sldSz cx="12192000" cy="6858000"/>
   <p:notesSz cx="6858000" cy="9144000"/>
@@ -175,7 +176,7 @@
 <file path=ppt/charts/chart1.xml><?xml version="1.0" encoding="utf-8"?>
 <c:chartSpace xmlns:c="http://schemas.openxmlformats.org/drawingml/2006/chart" xmlns:a="http://schemas.openxmlformats.org/drawingml/2006/main" xmlns:r="http://schemas.openxmlformats.org/officeDocument/2006/relationships" xmlns:c16r2="http://schemas.microsoft.com/office/drawing/2015/06/chart">
   <c:date1904 val="0"/>
-  <c:lang val="it-IT"/>
+  <c:lang val="en-GB"/>
   <c:roundedCorners val="0"/>
   <mc:AlternateContent xmlns:mc="http://schemas.openxmlformats.org/markup-compatibility/2006">
     <mc:Choice xmlns:c14="http://schemas.microsoft.com/office/drawing/2007/8/2/chart" Requires="c14">
@@ -1320,6 +1321,90 @@
 </inkml:ink>
 </file>
 
+<file path=ppt/ink/ink13.xml><?xml version="1.0" encoding="utf-8"?>
+<inkml:ink xmlns:inkml="http://www.w3.org/2003/InkML">
+  <inkml:definitions>
+    <inkml:context xml:id="ctx0">
+      <inkml:inkSource xml:id="inkSrc0">
+        <inkml:traceFormat>
+          <inkml:channel name="X" type="integer" min="-2.14748E9" max="2.14748E9" units="cm"/>
+          <inkml:channel name="Y" type="integer" min="-2.14748E9" max="2.14748E9" units="cm"/>
+          <inkml:channel name="F" type="integer" max="32767" units="dev"/>
+        </inkml:traceFormat>
+        <inkml:channelProperties>
+          <inkml:channelProperty channel="X" name="resolution" value="1000" units="1/cm"/>
+          <inkml:channelProperty channel="Y" name="resolution" value="1000" units="1/cm"/>
+          <inkml:channelProperty channel="F" name="resolution" value="0" units="1/dev"/>
+        </inkml:channelProperties>
+      </inkml:inkSource>
+      <inkml:timestamp xml:id="ts0" timeString="2024-02-20T16:43:51.666"/>
+    </inkml:context>
+    <inkml:brush xml:id="br0">
+      <inkml:brushProperty name="width" value="0.35" units="cm"/>
+      <inkml:brushProperty name="height" value="0.35" units="cm"/>
+      <inkml:brushProperty name="color" value="#FFFFFF"/>
+    </inkml:brush>
+  </inkml:definitions>
+  <inkml:trace contextRef="#ctx0" brushRef="#br0">5927 1 24575,'-18'45'0,"15"-35"0,0 0 0,-1-1 0,0 0 0,-1 0 0,-9 16 0,12-23 0,0 0 0,-1 0 0,1 1 0,0-2 0,-1 1 0,1 0 0,-1 0 0,1-1 0,-1 1 0,0-1 0,0 0 0,1 0 0,-1 0 0,0 0 0,0 0 0,0-1 0,0 0 0,0 1 0,0-1 0,-1 0 0,1 0 0,0-1 0,0 1 0,-3-1 0,-21-5 0,1-2 0,-1 0 0,-36-19 0,-20-6 0,52 24 0,-1 0 0,-1 2 0,-58-4 0,-99 8 0,132 3 0,-627 29 0,322 2 0,304-29 0,-117-12 0,18 0 0,-92 0 0,-52-1 0,63 0 0,-7 1 0,21 9 0,-150 3 0,227 8 0,-38 1 0,-927-10 0,535-2 0,538 4-1365</inkml:trace>
+</inkml:ink>
+</file>
+
+<file path=ppt/ink/ink14.xml><?xml version="1.0" encoding="utf-8"?>
+<inkml:ink xmlns:inkml="http://www.w3.org/2003/InkML">
+  <inkml:definitions>
+    <inkml:context xml:id="ctx0">
+      <inkml:inkSource xml:id="inkSrc0">
+        <inkml:traceFormat>
+          <inkml:channel name="X" type="integer" min="-2.14748E9" max="2.14748E9" units="cm"/>
+          <inkml:channel name="Y" type="integer" min="-2.14748E9" max="2.14748E9" units="cm"/>
+          <inkml:channel name="F" type="integer" max="32767" units="dev"/>
+        </inkml:traceFormat>
+        <inkml:channelProperties>
+          <inkml:channelProperty channel="X" name="resolution" value="1000" units="1/cm"/>
+          <inkml:channelProperty channel="Y" name="resolution" value="1000" units="1/cm"/>
+          <inkml:channelProperty channel="F" name="resolution" value="0" units="1/dev"/>
+        </inkml:channelProperties>
+      </inkml:inkSource>
+      <inkml:timestamp xml:id="ts0" timeString="2024-02-20T16:43:56.885"/>
+    </inkml:context>
+    <inkml:brush xml:id="br0">
+      <inkml:brushProperty name="width" value="0.35" units="cm"/>
+      <inkml:brushProperty name="height" value="0.35" units="cm"/>
+      <inkml:brushProperty name="color" value="#FFFFFF"/>
+    </inkml:brush>
+  </inkml:definitions>
+  <inkml:trace contextRef="#ctx0" brushRef="#br0">6442 463 24575,'-36'-2'0,"0"-2"0,-58-13 0,14 2 0,-235-11 0,263 23 0,-52-5 0,60 3 0,-1 2 0,-82 5 0,-693 143 0,707-111 0,68-20 0,-48 11 0,3-6 0,39-8 0,1-1 0,-98 5 0,-1197-16 0,1171-11 0,74 4 0,-24-1 0,-156-6 0,215 16 0,-278-14 0,211 4 0,-148 7 0,133 4 0,-422-1 0,554-2 0,0 1 0,0-2 0,0 0 0,0-1 0,0 0 0,1-1 0,-1-1 0,1 0 0,0-1 0,-24-14 0,36 19 0,0-1 0,-1 1 0,1-1 0,0 0 0,0 0 0,0 0 0,0 0 0,1 0 0,-1 0 0,0 0 0,1 0 0,0-1 0,-1 1 0,1-1 0,0 1 0,0-1 0,0 1 0,1-1 0,-1 0 0,1 1 0,-1-1 0,1 0 0,0 0 0,0 1 0,0-1 0,0 0 0,1 1 0,-1-1 0,1 0 0,0 1 0,-1-1 0,1 0 0,1 1 0,-1-1 0,0 1 0,0 0 0,1-1 0,-1 1 0,1 0 0,0 0 0,0 0 0,0 0 0,0 0 0,0 0 0,0 1 0,0-1 0,0 1 0,1-1 0,-1 1 0,1 0 0,4-1 0,7-4 0,1 1 0,-1 1 0,1 0 0,0 1 0,25-1 0,81 1 0,-52 3 0,27-5 0,96-18 0,-174 18 0,-18 5 0,0 0 0,0 0 0,0 0 0,0 0 0,0 0 0,0 0 0,0 0 0,0 0 0,-1 0 0,1 0 0,0 0 0,0 0 0,0 0 0,0 0 0,0 0 0,0 0 0,0 0 0,0 0 0,0 0 0,0 0 0,0 0 0,0 0 0,0 0 0,0 0 0,-1 0 0,1 0 0,0 0 0,0-1 0,0 1 0,0 0 0,0 0 0,0 0 0,0 0 0,0 0 0,0 0 0,0 0 0,0 0 0,0 0 0,0 0 0,0 0 0,0 0 0,0-1 0,0 1 0,0 0 0,0 0 0,0 0 0,0 0 0,0 0 0,0 0 0,0 0 0,0 0 0,0 0 0,0 0 0,0 0 0,0 0 0,0 0 0,1-1 0,-1 1 0,0 0 0,0 0 0,0 0 0,-33-3 0,-380 3 0,-2 0 0,409 0 0,1 0 0,-1-1 0,1 1 0,-1-1 0,1 0 0,0-1 0,-1 1 0,1-1 0,0 0 0,0 0 0,-8-5 0,10 4 0,0 0 0,0 0 0,1 0 0,-1 0 0,0 0 0,1 0 0,0-1 0,0 1 0,0-1 0,0 0 0,1 1 0,-1-1 0,1 0 0,0 0 0,-1-7 0,-2-13 0,2 0 0,0 0 0,1 0 0,2 0 0,0 0 0,7-33 0,-7 52 0,0 0 0,1 0 0,-1 0 0,1 0 0,0 1 0,1-1 0,-1 1 0,1 0 0,0-1 0,0 1 0,3-4 0,-4 7 0,0-1 0,0 1 0,0-1 0,0 1 0,0-1 0,0 1 0,1 0 0,-1 0 0,0 0 0,1 1 0,-1-1 0,0 0 0,1 1 0,-1-1 0,1 1 0,-1 0 0,1 0 0,-1 0 0,1 0 0,-1 1 0,1-1 0,-1 1 0,1-1 0,3 2 0,177 68 0,35 10 0,-195-74-227,0-2-1,0 0 1,1-2-1,-1-1 1,31-2-1</inkml:trace>
+</inkml:ink>
+</file>
+
+<file path=ppt/ink/ink15.xml><?xml version="1.0" encoding="utf-8"?>
+<inkml:ink xmlns:inkml="http://www.w3.org/2003/InkML">
+  <inkml:definitions>
+    <inkml:context xml:id="ctx0">
+      <inkml:inkSource xml:id="inkSrc0">
+        <inkml:traceFormat>
+          <inkml:channel name="X" type="integer" min="-2.14748E9" max="2.14748E9" units="cm"/>
+          <inkml:channel name="Y" type="integer" min="-2.14748E9" max="2.14748E9" units="cm"/>
+          <inkml:channel name="F" type="integer" max="32767" units="dev"/>
+        </inkml:traceFormat>
+        <inkml:channelProperties>
+          <inkml:channelProperty channel="X" name="resolution" value="1000" units="1/cm"/>
+          <inkml:channelProperty channel="Y" name="resolution" value="1000" units="1/cm"/>
+          <inkml:channelProperty channel="F" name="resolution" value="0" units="1/dev"/>
+        </inkml:channelProperties>
+      </inkml:inkSource>
+      <inkml:timestamp xml:id="ts0" timeString="2024-02-20T16:44:02.753"/>
+    </inkml:context>
+    <inkml:brush xml:id="br0">
+      <inkml:brushProperty name="width" value="0.35" units="cm"/>
+      <inkml:brushProperty name="height" value="0.35" units="cm"/>
+      <inkml:brushProperty name="color" value="#FFFFFF"/>
+    </inkml:brush>
+  </inkml:definitions>
+  <inkml:trace contextRef="#ctx0" brushRef="#br0">6889 1628 24575,'-99'-55'0,"10"16"0,-1 4 0,-2 4 0,-1 5 0,-1 3 0,-1 5 0,-1 3 0,-105-1 0,153 15 0,0 2 0,0 2 0,0 3 0,-93 22 0,129-25 0,-1-1 0,1-1 0,-1 1 0,1-2 0,-1 0 0,0 0 0,-16-4 0,-88-23 0,81 17 0,-193-57 0,-115-28 0,283 82 0,0 4 0,-1 1 0,-111 2 0,164 6 0,0 0 0,0-1 0,0 0 0,0-1 0,0 0 0,0-1 0,1 0 0,-1 0 0,1 0 0,0-1 0,0-1 0,0 1 0,-14-12 0,-1 1 0,7 5 0,-1 1 0,0 0 0,-1 1 0,0 1 0,0 1 0,-1 0 0,1 2 0,-1 0 0,0 1 0,0 1 0,-1 1 0,1 0 0,0 1 0,-33 6 0,-545 44 0,-4-49 0,445-2 0,-210-11 0,5 0 0,231 12 0,-197-27 0,109 7 0,-16-4 0,176 15 0,-85-17 0,-286-53 0,384 71 0,11 2 0,34 6 0,0 0 0,0 0 0,0 0 0,0 0 0,0-1 0,0 1 0,0 0 0,0 0 0,0 0 0,0 0 0,0 0 0,0 0 0,0 0 0,0 0 0,1 0 0,-1 0 0,0 0 0,0 0 0,0 0 0,0 0 0,0 0 0,0-1 0,0 1 0,0 0 0,0 0 0,0 0 0,0 0 0,0 0 0,0 0 0,0 0 0,0 0 0,0 0 0,-1 0 0,1 0 0,0 0 0,0 0 0,0-1 0,17 0 0,22 2 0,15 2 0,252 7 0,-267-15 0,0-1 0,-1-2 0,0-2 0,43-17 0,-30 11 0,-16 5 0,36-10 0,-2-3 0,108-54 0,-171 75 0,0 0 0,-1-1 0,1 0 0,-1 0 0,0 0 0,0 0 0,0-1 0,-1 0 0,1 0 0,-1-1 0,0 1 0,-1-1 0,1 1 0,-1-1 0,0-1 0,-1 1 0,0 0 0,0 0 0,0-1 0,0 1 0,-1-1 0,0 0 0,-1 1 0,1-1 0,-1 0 0,-1 1 0,-1-14 0,1 17 0,-1 0 0,1 1 0,0-1 0,-1 0 0,1 1 0,-1 0 0,0-1 0,0 1 0,0 0 0,0 0 0,0 0 0,-1 0 0,1 0 0,0 0 0,-1 1 0,0-1 0,1 1 0,-1-1 0,0 1 0,0 0 0,0 0 0,1 1 0,-6-2 0,-10-1 0,1 0 0,-34 0 0,37 3 0,-445 3 0,412 1 0,1 1 0,0 3 0,0 1 0,-71 25 0,102-27 0,1 0 0,0 1 0,1 1 0,-1 0 0,2 1 0,-15 13 0,14-11 0,0-1 0,-1 0 0,-1-1 0,-26 14 0,25-17 0,0-1 0,0 0 0,0-1 0,-25 4 0,37-8 0,-1-1 0,1 1 0,0-1 0,0 0 0,-1 0 0,1 0 0,0-1 0,-1 1 0,1-1 0,0 0 0,0-1 0,0 1 0,0 0 0,0-1 0,0 0 0,0 0 0,1 0 0,-1-1 0,1 1 0,-1-1 0,1 0 0,0 0 0,-3-3 0,1-1 0,0 0 0,1 0 0,-1-1 0,1 0 0,1 1 0,0-1 0,0 0 0,0 0 0,1-1 0,-1-8 0,2 12 0,1 0 0,0-1 0,0 1 0,0 0 0,1-1 0,0 1 0,0 0 0,0 0 0,0-1 0,1 1 0,0 0 0,0 0 0,1 1 0,-1-1 0,1 0 0,0 1 0,4-5 0,-1 1 0,0-1 0,0 0 0,-1 0 0,0 0 0,-1-1 0,0 1 0,0-1 0,-1 0 0,0 0 0,-1-1 0,1-10 0,0-12 0,-2-1 0,-3-37 0,0 21 0,2 41 0,0 0 0,-1-1 0,-1 1 0,1 0 0,-2-1 0,1 1 0,-6-12 0,6 16 0,-1 0 0,0-1 0,-1 1 0,1 0 0,-1 1 0,0-1 0,0 1 0,0-1 0,-1 1 0,0 1 0,1-1 0,-8-4 0,-8-3-1365</inkml:trace>
+</inkml:ink>
+</file>
+
 <file path=ppt/ink/ink2.xml><?xml version="1.0" encoding="utf-8"?>
 <inkml:ink xmlns:inkml="http://www.w3.org/2003/InkML">
   <inkml:definitions>
@@ -1626,7 +1711,7 @@
           <a:p>
             <a:fld id="{8DC85F60-0429-014B-94F4-5F04CDE84950}" type="datetimeFigureOut">
               <a:rPr lang="it-IT" smtClean="0"/>
-              <a:t>19/02/2024</a:t>
+              <a:t>20/02/2024</a:t>
             </a:fld>
             <a:endParaRPr lang="it-IT"/>
           </a:p>
@@ -1784,7 +1869,7 @@
           <a:p>
             <a:fld id="{BF57F3DC-54A1-8348-9B9C-E6CA6C4BBF26}" type="slidenum">
               <a:rPr lang="it-IT" smtClean="0"/>
-              <a:t>‹N›</a:t>
+              <a:t>‹#›</a:t>
             </a:fld>
             <a:endParaRPr lang="it-IT"/>
           </a:p>
@@ -2462,7 +2547,7 @@
           <a:p>
             <a:fld id="{BF57F3DC-54A1-8348-9B9C-E6CA6C4BBF26}" type="slidenum">
               <a:rPr lang="it-IT" smtClean="0"/>
-              <a:t>44</a:t>
+              <a:t>45</a:t>
             </a:fld>
             <a:endParaRPr lang="it-IT"/>
           </a:p>
@@ -2540,7 +2625,7 @@
             <a:fld id="{017CC9F7-E331-4A4D-8258-210102ABDB4E}" type="slidenum">
               <a:rPr lang="it-IT" smtClean="0"/>
               <a:pPr/>
-              <a:t>‹N›</a:t>
+              <a:t>‹#›</a:t>
             </a:fld>
             <a:endParaRPr lang="it-IT" dirty="0"/>
           </a:p>
@@ -3749,7 +3834,7 @@
             <a:fld id="{017CC9F7-E331-4A4D-8258-210102ABDB4E}" type="slidenum">
               <a:rPr lang="it-IT" smtClean="0"/>
               <a:pPr/>
-              <a:t>‹N›</a:t>
+              <a:t>‹#›</a:t>
             </a:fld>
             <a:endParaRPr lang="it-IT" dirty="0"/>
           </a:p>
@@ -3966,7 +4051,7 @@
             <a:fld id="{017CC9F7-E331-4A4D-8258-210102ABDB4E}" type="slidenum">
               <a:rPr lang="it-IT" smtClean="0"/>
               <a:pPr/>
-              <a:t>‹N›</a:t>
+              <a:t>‹#›</a:t>
             </a:fld>
             <a:endParaRPr lang="it-IT" dirty="0"/>
           </a:p>
@@ -4374,7 +4459,7 @@
             <a:fld id="{017CC9F7-E331-4A4D-8258-210102ABDB4E}" type="slidenum">
               <a:rPr lang="it-IT" smtClean="0"/>
               <a:pPr/>
-              <a:t>‹N›</a:t>
+              <a:t>‹#›</a:t>
             </a:fld>
             <a:endParaRPr lang="it-IT" dirty="0"/>
           </a:p>
@@ -4878,7 +4963,7 @@
             <a:fld id="{017CC9F7-E331-4A4D-8258-210102ABDB4E}" type="slidenum">
               <a:rPr lang="it-IT" smtClean="0"/>
               <a:pPr/>
-              <a:t>‹N›</a:t>
+              <a:t>‹#›</a:t>
             </a:fld>
             <a:endParaRPr lang="it-IT" dirty="0"/>
           </a:p>
@@ -5052,7 +5137,7 @@
             <a:fld id="{017CC9F7-E331-4A4D-8258-210102ABDB4E}" type="slidenum">
               <a:rPr lang="it-IT" smtClean="0"/>
               <a:pPr/>
-              <a:t>‹N›</a:t>
+              <a:t>‹#›</a:t>
             </a:fld>
             <a:endParaRPr lang="it-IT" dirty="0"/>
           </a:p>
@@ -5431,7 +5516,7 @@
             <a:fld id="{017CC9F7-E331-4A4D-8258-210102ABDB4E}" type="slidenum">
               <a:rPr lang="it-IT" smtClean="0"/>
               <a:pPr/>
-              <a:t>‹N›</a:t>
+              <a:t>‹#›</a:t>
             </a:fld>
             <a:endParaRPr lang="it-IT" dirty="0"/>
           </a:p>
@@ -6182,7 +6267,7 @@
             <a:fld id="{017CC9F7-E331-4A4D-8258-210102ABDB4E}" type="slidenum">
               <a:rPr lang="it-IT" smtClean="0"/>
               <a:pPr/>
-              <a:t>‹N›</a:t>
+              <a:t>‹#›</a:t>
             </a:fld>
             <a:endParaRPr lang="it-IT" dirty="0"/>
           </a:p>
@@ -7232,7 +7317,7 @@
             <a:fld id="{017CC9F7-E331-4A4D-8258-210102ABDB4E}" type="slidenum">
               <a:rPr lang="it-IT" smtClean="0"/>
               <a:pPr/>
-              <a:t>‹N›</a:t>
+              <a:t>‹#›</a:t>
             </a:fld>
             <a:endParaRPr lang="it-IT" dirty="0"/>
           </a:p>
@@ -7791,7 +7876,7 @@
             <a:fld id="{017CC9F7-E331-4A4D-8258-210102ABDB4E}" type="slidenum">
               <a:rPr lang="it-IT" smtClean="0"/>
               <a:pPr/>
-              <a:t>‹N›</a:t>
+              <a:t>‹#›</a:t>
             </a:fld>
             <a:endParaRPr lang="it-IT" dirty="0"/>
           </a:p>
@@ -9058,7 +9143,7 @@
             <a:fld id="{017CC9F7-E331-4A4D-8258-210102ABDB4E}" type="slidenum">
               <a:rPr lang="it-IT" smtClean="0"/>
               <a:pPr/>
-              <a:t>‹N›</a:t>
+              <a:t>‹#›</a:t>
             </a:fld>
             <a:endParaRPr lang="it-IT" dirty="0"/>
           </a:p>
@@ -9260,7 +9345,7 @@
             <a:fld id="{017CC9F7-E331-4A4D-8258-210102ABDB4E}" type="slidenum">
               <a:rPr lang="it-IT" smtClean="0"/>
               <a:pPr/>
-              <a:t>‹N›</a:t>
+              <a:t>‹#›</a:t>
             </a:fld>
             <a:endParaRPr lang="it-IT" dirty="0"/>
           </a:p>
@@ -9338,7 +9423,7 @@
             <a:fld id="{017CC9F7-E331-4A4D-8258-210102ABDB4E}" type="slidenum">
               <a:rPr lang="it-IT" smtClean="0"/>
               <a:pPr/>
-              <a:t>‹N›</a:t>
+              <a:t>‹#›</a:t>
             </a:fld>
             <a:endParaRPr lang="it-IT" dirty="0"/>
           </a:p>
@@ -10388,7 +10473,7 @@
             <a:fld id="{017CC9F7-E331-4A4D-8258-210102ABDB4E}" type="slidenum">
               <a:rPr lang="it-IT" smtClean="0"/>
               <a:pPr/>
-              <a:t>‹N›</a:t>
+              <a:t>‹#›</a:t>
             </a:fld>
             <a:endParaRPr lang="it-IT" dirty="0"/>
           </a:p>
@@ -17145,8 +17230,8 @@
           </p:pic>
         </mc:Fallback>
       </mc:AlternateContent>
-      <mc:AlternateContent xmlns:mc="http://schemas.openxmlformats.org/markup-compatibility/2006">
-        <mc:Choice xmlns:p14="http://schemas.microsoft.com/office/powerpoint/2010/main" Requires="p14">
+      <mc:AlternateContent xmlns:mc="http://schemas.openxmlformats.org/markup-compatibility/2006" xmlns:p14="http://schemas.microsoft.com/office/powerpoint/2010/main">
+        <mc:Choice Requires="p14">
           <p:contentPart p14:bwMode="auto" r:id="rId7">
             <p14:nvContentPartPr>
               <p14:cNvPr id="5" name="Input penna 4">
@@ -17165,7 +17250,7 @@
             </p14:xfrm>
           </p:contentPart>
         </mc:Choice>
-        <mc:Fallback>
+        <mc:Fallback xmlns="">
           <p:pic>
             <p:nvPicPr>
               <p:cNvPr id="5" name="Input penna 4">
@@ -17196,8 +17281,8 @@
           </p:pic>
         </mc:Fallback>
       </mc:AlternateContent>
-      <mc:AlternateContent xmlns:mc="http://schemas.openxmlformats.org/markup-compatibility/2006">
-        <mc:Choice xmlns:p14="http://schemas.microsoft.com/office/powerpoint/2010/main" Requires="p14">
+      <mc:AlternateContent xmlns:mc="http://schemas.openxmlformats.org/markup-compatibility/2006" xmlns:p14="http://schemas.microsoft.com/office/powerpoint/2010/main">
+        <mc:Choice Requires="p14">
           <p:contentPart p14:bwMode="auto" r:id="rId9">
             <p14:nvContentPartPr>
               <p14:cNvPr id="7" name="Input penna 6">
@@ -17216,7 +17301,7 @@
             </p14:xfrm>
           </p:contentPart>
         </mc:Choice>
-        <mc:Fallback>
+        <mc:Fallback xmlns="">
           <p:pic>
             <p:nvPicPr>
               <p:cNvPr id="7" name="Input penna 6">
@@ -17247,8 +17332,8 @@
           </p:pic>
         </mc:Fallback>
       </mc:AlternateContent>
-      <mc:AlternateContent xmlns:mc="http://schemas.openxmlformats.org/markup-compatibility/2006">
-        <mc:Choice xmlns:p14="http://schemas.microsoft.com/office/powerpoint/2010/main" Requires="p14">
+      <mc:AlternateContent xmlns:mc="http://schemas.openxmlformats.org/markup-compatibility/2006" xmlns:p14="http://schemas.microsoft.com/office/powerpoint/2010/main">
+        <mc:Choice Requires="p14">
           <p:contentPart p14:bwMode="auto" r:id="rId11">
             <p14:nvContentPartPr>
               <p14:cNvPr id="8" name="Input penna 7">
@@ -17267,7 +17352,7 @@
             </p14:xfrm>
           </p:contentPart>
         </mc:Choice>
-        <mc:Fallback>
+        <mc:Fallback xmlns="">
           <p:pic>
             <p:nvPicPr>
               <p:cNvPr id="8" name="Input penna 7">
@@ -17298,8 +17383,8 @@
           </p:pic>
         </mc:Fallback>
       </mc:AlternateContent>
-      <mc:AlternateContent xmlns:mc="http://schemas.openxmlformats.org/markup-compatibility/2006">
-        <mc:Choice xmlns:p14="http://schemas.microsoft.com/office/powerpoint/2010/main" Requires="p14">
+      <mc:AlternateContent xmlns:mc="http://schemas.openxmlformats.org/markup-compatibility/2006" xmlns:p14="http://schemas.microsoft.com/office/powerpoint/2010/main">
+        <mc:Choice Requires="p14">
           <p:contentPart p14:bwMode="auto" r:id="rId13">
             <p14:nvContentPartPr>
               <p14:cNvPr id="16" name="Input penna 15">
@@ -17318,7 +17403,7 @@
             </p14:xfrm>
           </p:contentPart>
         </mc:Choice>
-        <mc:Fallback>
+        <mc:Fallback xmlns="">
           <p:pic>
             <p:nvPicPr>
               <p:cNvPr id="16" name="Input penna 15">
@@ -17349,8 +17434,8 @@
           </p:pic>
         </mc:Fallback>
       </mc:AlternateContent>
-      <mc:AlternateContent xmlns:mc="http://schemas.openxmlformats.org/markup-compatibility/2006">
-        <mc:Choice xmlns:p14="http://schemas.microsoft.com/office/powerpoint/2010/main" Requires="p14">
+      <mc:AlternateContent xmlns:mc="http://schemas.openxmlformats.org/markup-compatibility/2006" xmlns:p14="http://schemas.microsoft.com/office/powerpoint/2010/main">
+        <mc:Choice Requires="p14">
           <p:contentPart p14:bwMode="auto" r:id="rId15">
             <p14:nvContentPartPr>
               <p14:cNvPr id="17" name="Input penna 16">
@@ -17369,7 +17454,7 @@
             </p14:xfrm>
           </p:contentPart>
         </mc:Choice>
-        <mc:Fallback>
+        <mc:Fallback xmlns="">
           <p:pic>
             <p:nvPicPr>
               <p:cNvPr id="17" name="Input penna 16">
@@ -17786,8 +17871,8 @@
           </a:p>
         </p:txBody>
       </p:sp>
-      <mc:AlternateContent xmlns:mc="http://schemas.openxmlformats.org/markup-compatibility/2006">
-        <mc:Choice xmlns:p14="http://schemas.microsoft.com/office/powerpoint/2010/main" Requires="p14">
+      <mc:AlternateContent xmlns:mc="http://schemas.openxmlformats.org/markup-compatibility/2006" xmlns:p14="http://schemas.microsoft.com/office/powerpoint/2010/main">
+        <mc:Choice Requires="p14">
           <p:contentPart p14:bwMode="auto" r:id="rId7">
             <p14:nvContentPartPr>
               <p14:cNvPr id="7" name="Input penna 6">
@@ -17806,7 +17891,7 @@
             </p14:xfrm>
           </p:contentPart>
         </mc:Choice>
-        <mc:Fallback>
+        <mc:Fallback xmlns="">
           <p:pic>
             <p:nvPicPr>
               <p:cNvPr id="7" name="Input penna 6">
@@ -17837,8 +17922,8 @@
           </p:pic>
         </mc:Fallback>
       </mc:AlternateContent>
-      <mc:AlternateContent xmlns:mc="http://schemas.openxmlformats.org/markup-compatibility/2006">
-        <mc:Choice xmlns:p14="http://schemas.microsoft.com/office/powerpoint/2010/main" Requires="p14">
+      <mc:AlternateContent xmlns:mc="http://schemas.openxmlformats.org/markup-compatibility/2006" xmlns:p14="http://schemas.microsoft.com/office/powerpoint/2010/main">
+        <mc:Choice Requires="p14">
           <p:contentPart p14:bwMode="auto" r:id="rId9">
             <p14:nvContentPartPr>
               <p14:cNvPr id="8" name="Input penna 7">
@@ -17857,7 +17942,7 @@
             </p14:xfrm>
           </p:contentPart>
         </mc:Choice>
-        <mc:Fallback>
+        <mc:Fallback xmlns="">
           <p:pic>
             <p:nvPicPr>
               <p:cNvPr id="8" name="Input penna 7">
@@ -18488,38 +18573,8 @@
         </p:blipFill>
         <p:spPr>
           <a:xfrm>
-            <a:off x="6523218" y="3677264"/>
+            <a:off x="6418290" y="3833111"/>
             <a:ext cx="5287345" cy="2470127"/>
-          </a:xfrm>
-          <a:prstGeom prst="rect">
-            <a:avLst/>
-          </a:prstGeom>
-        </p:spPr>
-      </p:pic>
-      <p:pic>
-        <p:nvPicPr>
-          <p:cNvPr id="10" name="Immagine 9" descr="Immagine che contiene linea, testo, schermata, Diagramma&#10;&#10;Descrizione generata automaticamente">
-            <a:extLst>
-              <a:ext uri="{FF2B5EF4-FFF2-40B4-BE49-F238E27FC236}">
-                <a16:creationId xmlns:a16="http://schemas.microsoft.com/office/drawing/2014/main" id="{81D3E3BE-D048-B9E9-ED6E-FA64CC5F6B61}"/>
-              </a:ext>
-            </a:extLst>
-          </p:cNvPr>
-          <p:cNvPicPr>
-            <a:picLocks noChangeAspect="1"/>
-          </p:cNvPicPr>
-          <p:nvPr/>
-        </p:nvPicPr>
-        <p:blipFill>
-          <a:blip r:embed="rId3"/>
-          <a:stretch>
-            <a:fillRect/>
-          </a:stretch>
-        </p:blipFill>
-        <p:spPr>
-          <a:xfrm>
-            <a:off x="6436663" y="1314111"/>
-            <a:ext cx="5373900" cy="2363153"/>
           </a:xfrm>
           <a:prstGeom prst="rect">
             <a:avLst/>
@@ -18541,14 +18596,14 @@
           <p:nvPr/>
         </p:nvPicPr>
         <p:blipFill>
-          <a:blip r:embed="rId4"/>
+          <a:blip r:embed="rId3"/>
           <a:stretch>
             <a:fillRect/>
           </a:stretch>
         </p:blipFill>
         <p:spPr>
           <a:xfrm>
-            <a:off x="488853" y="1586699"/>
+            <a:off x="488853" y="2815753"/>
             <a:ext cx="5639289" cy="2034716"/>
           </a:xfrm>
           <a:prstGeom prst="rect">
@@ -18571,14 +18626,14 @@
           <p:nvPr/>
         </p:nvPicPr>
         <p:blipFill>
-          <a:blip r:embed="rId5"/>
+          <a:blip r:embed="rId4"/>
           <a:stretch>
             <a:fillRect/>
           </a:stretch>
         </p:blipFill>
         <p:spPr>
           <a:xfrm>
-            <a:off x="488853" y="3597948"/>
+            <a:off x="6128142" y="1375002"/>
             <a:ext cx="5867643" cy="2458109"/>
           </a:xfrm>
           <a:prstGeom prst="rect">
@@ -18600,6 +18655,279 @@
 </file>
 
 <file path=ppt/slides/slide21.xml><?xml version="1.0" encoding="utf-8"?>
+<p:sld xmlns:a="http://schemas.openxmlformats.org/drawingml/2006/main" xmlns:r="http://schemas.openxmlformats.org/officeDocument/2006/relationships" xmlns:p="http://schemas.openxmlformats.org/presentationml/2006/main">
+  <p:cSld>
+    <p:spTree>
+      <p:nvGrpSpPr>
+        <p:cNvPr id="1" name="">
+          <a:extLst>
+            <a:ext uri="{FF2B5EF4-FFF2-40B4-BE49-F238E27FC236}">
+              <a16:creationId xmlns:a16="http://schemas.microsoft.com/office/drawing/2014/main" id="{623F3CCF-B54D-C085-6478-BCF1C95290EE}"/>
+            </a:ext>
+          </a:extLst>
+        </p:cNvPr>
+        <p:cNvGrpSpPr/>
+        <p:nvPr/>
+      </p:nvGrpSpPr>
+      <p:grpSpPr>
+        <a:xfrm>
+          <a:off x="0" y="0"/>
+          <a:ext cx="0" cy="0"/>
+          <a:chOff x="0" y="0"/>
+          <a:chExt cx="0" cy="0"/>
+        </a:xfrm>
+      </p:grpSpPr>
+      <p:sp>
+        <p:nvSpPr>
+          <p:cNvPr id="3" name="Rettangolo 2">
+            <a:extLst>
+              <a:ext uri="{FF2B5EF4-FFF2-40B4-BE49-F238E27FC236}">
+                <a16:creationId xmlns:a16="http://schemas.microsoft.com/office/drawing/2014/main" id="{3B83463D-1584-14AC-2AEF-F1B5FA6CD05E}"/>
+              </a:ext>
+            </a:extLst>
+          </p:cNvPr>
+          <p:cNvSpPr/>
+          <p:nvPr/>
+        </p:nvSpPr>
+        <p:spPr>
+          <a:xfrm>
+            <a:off x="838200" y="2035277"/>
+            <a:ext cx="8905568" cy="285136"/>
+          </a:xfrm>
+          <a:prstGeom prst="rect">
+            <a:avLst/>
+          </a:prstGeom>
+          <a:solidFill>
+            <a:schemeClr val="bg1"/>
+          </a:solidFill>
+          <a:ln>
+            <a:solidFill>
+              <a:schemeClr val="bg1"/>
+            </a:solidFill>
+          </a:ln>
+        </p:spPr>
+        <p:style>
+          <a:lnRef idx="2">
+            <a:schemeClr val="accent1">
+              <a:shade val="15000"/>
+            </a:schemeClr>
+          </a:lnRef>
+          <a:fillRef idx="1">
+            <a:schemeClr val="accent1"/>
+          </a:fillRef>
+          <a:effectRef idx="0">
+            <a:schemeClr val="accent1"/>
+          </a:effectRef>
+          <a:fontRef idx="minor">
+            <a:schemeClr val="lt1"/>
+          </a:fontRef>
+        </p:style>
+        <p:txBody>
+          <a:bodyPr rtlCol="0" anchor="ctr"/>
+          <a:lstStyle/>
+          <a:p>
+            <a:pPr algn="ctr"/>
+            <a:endParaRPr lang="it-IT"/>
+          </a:p>
+        </p:txBody>
+      </p:sp>
+      <p:pic>
+        <p:nvPicPr>
+          <p:cNvPr id="5" name="Immagine 4" descr="Immagine che contiene testo, schermata, linea, diagramma&#10;&#10;Descrizione generata automaticamente">
+            <a:extLst>
+              <a:ext uri="{FF2B5EF4-FFF2-40B4-BE49-F238E27FC236}">
+                <a16:creationId xmlns:a16="http://schemas.microsoft.com/office/drawing/2014/main" id="{4661AB1F-95A6-3151-9E4A-5FB0DD65699F}"/>
+              </a:ext>
+            </a:extLst>
+          </p:cNvPr>
+          <p:cNvPicPr>
+            <a:picLocks noChangeAspect="1"/>
+          </p:cNvPicPr>
+          <p:nvPr/>
+        </p:nvPicPr>
+        <p:blipFill>
+          <a:blip r:embed="rId2"/>
+          <a:stretch>
+            <a:fillRect/>
+          </a:stretch>
+        </p:blipFill>
+        <p:spPr>
+          <a:xfrm>
+            <a:off x="126037" y="1011082"/>
+            <a:ext cx="11939926" cy="4835836"/>
+          </a:xfrm>
+          <a:prstGeom prst="rect">
+            <a:avLst/>
+          </a:prstGeom>
+        </p:spPr>
+      </p:pic>
+      <mc:AlternateContent xmlns:mc="http://schemas.openxmlformats.org/markup-compatibility/2006" xmlns:p14="http://schemas.microsoft.com/office/powerpoint/2010/main">
+        <mc:Choice Requires="p14">
+          <p:contentPart p14:bwMode="auto" r:id="rId3">
+            <p14:nvContentPartPr>
+              <p14:cNvPr id="15" name="Input penna 14">
+                <a:extLst>
+                  <a:ext uri="{FF2B5EF4-FFF2-40B4-BE49-F238E27FC236}">
+                    <a16:creationId xmlns:a16="http://schemas.microsoft.com/office/drawing/2014/main" id="{8E46DBB1-623A-12D7-7EE3-909B9CE708F2}"/>
+                  </a:ext>
+                </a:extLst>
+              </p14:cNvPr>
+              <p14:cNvContentPartPr/>
+              <p14:nvPr/>
+            </p14:nvContentPartPr>
+            <p14:xfrm>
+              <a:off x="5166360" y="1272240"/>
+              <a:ext cx="2133720" cy="51840"/>
+            </p14:xfrm>
+          </p:contentPart>
+        </mc:Choice>
+        <mc:Fallback xmlns="">
+          <p:pic>
+            <p:nvPicPr>
+              <p:cNvPr id="15" name="Input penna 14">
+                <a:extLst>
+                  <a:ext uri="{FF2B5EF4-FFF2-40B4-BE49-F238E27FC236}">
+                    <a16:creationId xmlns:a16="http://schemas.microsoft.com/office/drawing/2014/main" id="{8E46DBB1-623A-12D7-7EE3-909B9CE708F2}"/>
+                  </a:ext>
+                </a:extLst>
+              </p:cNvPr>
+              <p:cNvPicPr/>
+              <p:nvPr/>
+            </p:nvPicPr>
+            <p:blipFill>
+              <a:blip r:embed="rId4"/>
+              <a:stretch>
+                <a:fillRect/>
+              </a:stretch>
+            </p:blipFill>
+            <p:spPr>
+              <a:xfrm>
+                <a:off x="5103360" y="1209600"/>
+                <a:ext cx="2259360" cy="177480"/>
+              </a:xfrm>
+              <a:prstGeom prst="rect">
+                <a:avLst/>
+              </a:prstGeom>
+            </p:spPr>
+          </p:pic>
+        </mc:Fallback>
+      </mc:AlternateContent>
+      <mc:AlternateContent xmlns:mc="http://schemas.openxmlformats.org/markup-compatibility/2006" xmlns:p14="http://schemas.microsoft.com/office/powerpoint/2010/main">
+        <mc:Choice Requires="p14">
+          <p:contentPart p14:bwMode="auto" r:id="rId5">
+            <p14:nvContentPartPr>
+              <p14:cNvPr id="17" name="Input penna 16">
+                <a:extLst>
+                  <a:ext uri="{FF2B5EF4-FFF2-40B4-BE49-F238E27FC236}">
+                    <a16:creationId xmlns:a16="http://schemas.microsoft.com/office/drawing/2014/main" id="{BA1C1482-C229-3458-2B40-CC1E0EC79889}"/>
+                  </a:ext>
+                </a:extLst>
+              </p14:cNvPr>
+              <p14:cNvContentPartPr/>
+              <p14:nvPr/>
+            </p14:nvContentPartPr>
+            <p14:xfrm>
+              <a:off x="5041800" y="3506040"/>
+              <a:ext cx="2319120" cy="236160"/>
+            </p14:xfrm>
+          </p:contentPart>
+        </mc:Choice>
+        <mc:Fallback xmlns="">
+          <p:pic>
+            <p:nvPicPr>
+              <p:cNvPr id="17" name="Input penna 16">
+                <a:extLst>
+                  <a:ext uri="{FF2B5EF4-FFF2-40B4-BE49-F238E27FC236}">
+                    <a16:creationId xmlns:a16="http://schemas.microsoft.com/office/drawing/2014/main" id="{BA1C1482-C229-3458-2B40-CC1E0EC79889}"/>
+                  </a:ext>
+                </a:extLst>
+              </p:cNvPr>
+              <p:cNvPicPr/>
+              <p:nvPr/>
+            </p:nvPicPr>
+            <p:blipFill>
+              <a:blip r:embed="rId6"/>
+              <a:stretch>
+                <a:fillRect/>
+              </a:stretch>
+            </p:blipFill>
+            <p:spPr>
+              <a:xfrm>
+                <a:off x="4978800" y="3443040"/>
+                <a:ext cx="2444760" cy="361800"/>
+              </a:xfrm>
+              <a:prstGeom prst="rect">
+                <a:avLst/>
+              </a:prstGeom>
+            </p:spPr>
+          </p:pic>
+        </mc:Fallback>
+      </mc:AlternateContent>
+      <mc:AlternateContent xmlns:mc="http://schemas.openxmlformats.org/markup-compatibility/2006" xmlns:p14="http://schemas.microsoft.com/office/powerpoint/2010/main">
+        <mc:Choice Requires="p14">
+          <p:contentPart p14:bwMode="auto" r:id="rId7">
+            <p14:nvContentPartPr>
+              <p14:cNvPr id="18" name="Input penna 17">
+                <a:extLst>
+                  <a:ext uri="{FF2B5EF4-FFF2-40B4-BE49-F238E27FC236}">
+                    <a16:creationId xmlns:a16="http://schemas.microsoft.com/office/drawing/2014/main" id="{8C90C6C4-A8D9-48BD-87D5-9BCBB6B19F01}"/>
+                  </a:ext>
+                </a:extLst>
+              </p14:cNvPr>
+              <p14:cNvContentPartPr/>
+              <p14:nvPr/>
+            </p14:nvContentPartPr>
+            <p14:xfrm>
+              <a:off x="4820040" y="3193560"/>
+              <a:ext cx="2480040" cy="586080"/>
+            </p14:xfrm>
+          </p:contentPart>
+        </mc:Choice>
+        <mc:Fallback xmlns="">
+          <p:pic>
+            <p:nvPicPr>
+              <p:cNvPr id="18" name="Input penna 17">
+                <a:extLst>
+                  <a:ext uri="{FF2B5EF4-FFF2-40B4-BE49-F238E27FC236}">
+                    <a16:creationId xmlns:a16="http://schemas.microsoft.com/office/drawing/2014/main" id="{8C90C6C4-A8D9-48BD-87D5-9BCBB6B19F01}"/>
+                  </a:ext>
+                </a:extLst>
+              </p:cNvPr>
+              <p:cNvPicPr/>
+              <p:nvPr/>
+            </p:nvPicPr>
+            <p:blipFill>
+              <a:blip r:embed="rId8"/>
+              <a:stretch>
+                <a:fillRect/>
+              </a:stretch>
+            </p:blipFill>
+            <p:spPr>
+              <a:xfrm>
+                <a:off x="4757040" y="3130920"/>
+                <a:ext cx="2605680" cy="711720"/>
+              </a:xfrm>
+              <a:prstGeom prst="rect">
+                <a:avLst/>
+              </a:prstGeom>
+            </p:spPr>
+          </p:pic>
+        </mc:Fallback>
+      </mc:AlternateContent>
+    </p:spTree>
+    <p:extLst>
+      <p:ext uri="{BB962C8B-B14F-4D97-AF65-F5344CB8AC3E}">
+        <p14:creationId xmlns:p14="http://schemas.microsoft.com/office/powerpoint/2010/main" val="665147596"/>
+      </p:ext>
+    </p:extLst>
+  </p:cSld>
+  <p:clrMapOvr>
+    <a:masterClrMapping/>
+  </p:clrMapOvr>
+</p:sld>
+</file>
+
+<file path=ppt/slides/slide22.xml><?xml version="1.0" encoding="utf-8"?>
 <p:sld xmlns:a="http://schemas.openxmlformats.org/drawingml/2006/main" xmlns:r="http://schemas.openxmlformats.org/officeDocument/2006/relationships" xmlns:p="http://schemas.openxmlformats.org/presentationml/2006/main">
   <p:cSld>
     <p:spTree>
@@ -18660,7 +18988,7 @@
                 <a:ea typeface="+mj-ea"/>
                 <a:cs typeface="+mj-cs"/>
               </a:rPr>
-              <a:t>ARMA Implementation </a:t>
+              <a:t>ARIMA Implementation </a:t>
             </a:r>
           </a:p>
         </p:txBody>
@@ -18761,7 +19089,15 @@
             </a:r>
             <a:r>
               <a:rPr lang="en-US" dirty="0"/>
-              <a:t>) and MA (Moving Average) values were tested for the ARIMA model.</a:t>
+              <a:t>), I(</a:t>
+            </a:r>
+            <a:r>
+              <a:rPr lang="en-US" dirty="0" err="1"/>
+              <a:t>Integretion</a:t>
+            </a:r>
+            <a:r>
+              <a:rPr lang="en-US" dirty="0"/>
+              <a:t>), MA (Moving Average) values were tested for the ARIMA model.</a:t>
             </a:r>
           </a:p>
           <a:p>
@@ -18831,7 +19167,7 @@
         </p:blipFill>
         <p:spPr>
           <a:xfrm>
-            <a:off x="6118795" y="1690688"/>
+            <a:off x="6118795" y="1269710"/>
             <a:ext cx="5235005" cy="4318579"/>
           </a:xfrm>
           <a:prstGeom prst="rect">
@@ -18852,7 +19188,7 @@
 </p:sld>
 </file>
 
-<file path=ppt/slides/slide22.xml><?xml version="1.0" encoding="utf-8"?>
+<file path=ppt/slides/slide23.xml><?xml version="1.0" encoding="utf-8"?>
 <p:sld xmlns:a="http://schemas.openxmlformats.org/drawingml/2006/main" xmlns:r="http://schemas.openxmlformats.org/officeDocument/2006/relationships" xmlns:p="http://schemas.openxmlformats.org/presentationml/2006/main">
   <p:cSld>
     <p:spTree>
@@ -18913,7 +19249,7 @@
                 <a:ea typeface="+mj-ea"/>
                 <a:cs typeface="+mj-cs"/>
               </a:rPr>
-              <a:t>ARMA Residuals Analysis </a:t>
+              <a:t>ARIMA Residuals Analysis </a:t>
             </a:r>
           </a:p>
         </p:txBody>
@@ -19015,7 +19351,7 @@
 </p:sld>
 </file>
 
-<file path=ppt/slides/slide23.xml><?xml version="1.0" encoding="utf-8"?>
+<file path=ppt/slides/slide24.xml><?xml version="1.0" encoding="utf-8"?>
 <p:sld xmlns:a="http://schemas.openxmlformats.org/drawingml/2006/main" xmlns:r="http://schemas.openxmlformats.org/officeDocument/2006/relationships" xmlns:p="http://schemas.openxmlformats.org/presentationml/2006/main">
   <p:cSld>
     <p:spTree>
@@ -19089,7 +19425,7 @@
 </p:sld>
 </file>
 
-<file path=ppt/slides/slide24.xml><?xml version="1.0" encoding="utf-8"?>
+<file path=ppt/slides/slide25.xml><?xml version="1.0" encoding="utf-8"?>
 <p:sld xmlns:a="http://schemas.openxmlformats.org/drawingml/2006/main" xmlns:r="http://schemas.openxmlformats.org/officeDocument/2006/relationships" xmlns:p="http://schemas.openxmlformats.org/presentationml/2006/main">
   <p:cSld>
     <p:spTree>
@@ -19409,7 +19745,7 @@
 </p:sld>
 </file>
 
-<file path=ppt/slides/slide25.xml><?xml version="1.0" encoding="utf-8"?>
+<file path=ppt/slides/slide26.xml><?xml version="1.0" encoding="utf-8"?>
 <p:sld xmlns:a="http://schemas.openxmlformats.org/drawingml/2006/main" xmlns:r="http://schemas.openxmlformats.org/officeDocument/2006/relationships" xmlns:p="http://schemas.openxmlformats.org/presentationml/2006/main">
   <p:cSld>
     <p:spTree>
@@ -19683,11 +20019,8 @@
             </a:r>
             <a:r>
               <a:rPr lang="it-IT" sz="1600" dirty="0"/>
-              <a:t> technique</a:t>
-            </a:r>
-          </a:p>
-          <a:p>
-            <a:pPr marL="1028700" lvl="1" indent="-342900"/>
+              <a:t> technique in the </a:t>
+            </a:r>
             <a:r>
               <a:rPr lang="it-IT" sz="1600" dirty="0" err="1"/>
               <a:t>Gradient</a:t>
@@ -19700,6 +20033,14 @@
               <a:rPr lang="it-IT" sz="1600" dirty="0" err="1"/>
               <a:t>Descent</a:t>
             </a:r>
+            <a:r>
+              <a:rPr lang="it-IT" sz="1600" dirty="0"/>
+              <a:t> </a:t>
+            </a:r>
+            <a:r>
+              <a:rPr lang="it-IT" sz="1600" dirty="0" err="1"/>
+              <a:t>algorithm</a:t>
+            </a:r>
             <a:endParaRPr lang="it-IT" sz="1600" dirty="0"/>
           </a:p>
           <a:p>
@@ -19707,33 +20048,6 @@
             <a:r>
               <a:rPr lang="en-US" sz="1600" dirty="0"/>
               <a:t>Calculates feature importance by measuring its contribution to the loss reduction</a:t>
-            </a:r>
-          </a:p>
-          <a:p>
-            <a:pPr marL="1028700" lvl="1" indent="-342900"/>
-            <a:r>
-              <a:rPr lang="it-IT" sz="1600" dirty="0" err="1"/>
-              <a:t>Implementing</a:t>
-            </a:r>
-            <a:r>
-              <a:rPr lang="it-IT" sz="1600" dirty="0"/>
-              <a:t> </a:t>
-            </a:r>
-            <a:r>
-              <a:rPr lang="it-IT" sz="1600" dirty="0" err="1"/>
-              <a:t>Early</a:t>
-            </a:r>
-            <a:r>
-              <a:rPr lang="it-IT" sz="1600" dirty="0"/>
-              <a:t> </a:t>
-            </a:r>
-            <a:r>
-              <a:rPr lang="it-IT" sz="1600" dirty="0" err="1"/>
-              <a:t>Stopping</a:t>
-            </a:r>
-            <a:r>
-              <a:rPr lang="it-IT" sz="1600" dirty="0"/>
-              <a:t> technique</a:t>
             </a:r>
           </a:p>
           <a:p>
@@ -19832,7 +20146,7 @@
 </p:sld>
 </file>
 
-<file path=ppt/slides/slide26.xml><?xml version="1.0" encoding="utf-8"?>
+<file path=ppt/slides/slide27.xml><?xml version="1.0" encoding="utf-8"?>
 <p:sld xmlns:a="http://schemas.openxmlformats.org/drawingml/2006/main" xmlns:r="http://schemas.openxmlformats.org/officeDocument/2006/relationships" xmlns:p="http://schemas.openxmlformats.org/presentationml/2006/main">
   <p:cSld>
     <p:spTree>
@@ -20155,7 +20469,7 @@
 </p:sld>
 </file>
 
-<file path=ppt/slides/slide27.xml><?xml version="1.0" encoding="utf-8"?>
+<file path=ppt/slides/slide28.xml><?xml version="1.0" encoding="utf-8"?>
 <p:sld xmlns:a="http://schemas.openxmlformats.org/drawingml/2006/main" xmlns:r="http://schemas.openxmlformats.org/officeDocument/2006/relationships" xmlns:p="http://schemas.openxmlformats.org/presentationml/2006/main">
   <p:cSld>
     <p:spTree>
@@ -20377,7 +20691,7 @@
 </p:sld>
 </file>
 
-<file path=ppt/slides/slide28.xml><?xml version="1.0" encoding="utf-8"?>
+<file path=ppt/slides/slide29.xml><?xml version="1.0" encoding="utf-8"?>
 <p:sld xmlns:a="http://schemas.openxmlformats.org/drawingml/2006/main" xmlns:r="http://schemas.openxmlformats.org/officeDocument/2006/relationships" xmlns:p="http://schemas.openxmlformats.org/presentationml/2006/main">
   <p:cSld>
     <p:spTree>
@@ -20644,7 +20958,81 @@
 </p:sld>
 </file>
 
-<file path=ppt/slides/slide29.xml><?xml version="1.0" encoding="utf-8"?>
+<file path=ppt/slides/slide3.xml><?xml version="1.0" encoding="utf-8"?>
+<p:sld xmlns:a="http://schemas.openxmlformats.org/drawingml/2006/main" xmlns:r="http://schemas.openxmlformats.org/officeDocument/2006/relationships" xmlns:p="http://schemas.openxmlformats.org/presentationml/2006/main">
+  <p:cSld>
+    <p:spTree>
+      <p:nvGrpSpPr>
+        <p:cNvPr id="1" name="">
+          <a:extLst>
+            <a:ext uri="{FF2B5EF4-FFF2-40B4-BE49-F238E27FC236}">
+              <a16:creationId xmlns:a16="http://schemas.microsoft.com/office/drawing/2014/main" id="{3BE717F5-C1BB-BA66-C43B-D13B6C51C13A}"/>
+            </a:ext>
+          </a:extLst>
+        </p:cNvPr>
+        <p:cNvGrpSpPr/>
+        <p:nvPr/>
+      </p:nvGrpSpPr>
+      <p:grpSpPr>
+        <a:xfrm>
+          <a:off x="0" y="0"/>
+          <a:ext cx="0" cy="0"/>
+          <a:chOff x="0" y="0"/>
+          <a:chExt cx="0" cy="0"/>
+        </a:xfrm>
+      </p:grpSpPr>
+      <p:sp>
+        <p:nvSpPr>
+          <p:cNvPr id="3" name="TextBox 2">
+            <a:extLst>
+              <a:ext uri="{FF2B5EF4-FFF2-40B4-BE49-F238E27FC236}">
+                <a16:creationId xmlns:a16="http://schemas.microsoft.com/office/drawing/2014/main" id="{7B758C29-1C59-BAF3-7786-ED796243D2DD}"/>
+              </a:ext>
+            </a:extLst>
+          </p:cNvPr>
+          <p:cNvSpPr txBox="1"/>
+          <p:nvPr/>
+        </p:nvSpPr>
+        <p:spPr>
+          <a:xfrm>
+            <a:off x="152400" y="2321004"/>
+            <a:ext cx="11887200" cy="1107996"/>
+          </a:xfrm>
+          <a:prstGeom prst="rect">
+            <a:avLst/>
+          </a:prstGeom>
+          <a:noFill/>
+        </p:spPr>
+        <p:txBody>
+          <a:bodyPr wrap="square" rtlCol="0">
+            <a:spAutoFit/>
+          </a:bodyPr>
+          <a:lstStyle/>
+          <a:p>
+            <a:pPr algn="ctr"/>
+            <a:r>
+              <a:rPr lang="en-US" sz="6600" dirty="0">
+                <a:latin typeface="+mj-lt"/>
+              </a:rPr>
+              <a:t>Introduction</a:t>
+            </a:r>
+          </a:p>
+        </p:txBody>
+      </p:sp>
+    </p:spTree>
+    <p:extLst>
+      <p:ext uri="{BB962C8B-B14F-4D97-AF65-F5344CB8AC3E}">
+        <p14:creationId xmlns:p14="http://schemas.microsoft.com/office/powerpoint/2010/main" val="1540370198"/>
+      </p:ext>
+    </p:extLst>
+  </p:cSld>
+  <p:clrMapOvr>
+    <a:masterClrMapping/>
+  </p:clrMapOvr>
+</p:sld>
+</file>
+
+<file path=ppt/slides/slide30.xml><?xml version="1.0" encoding="utf-8"?>
 <p:sld xmlns:a="http://schemas.openxmlformats.org/drawingml/2006/main" xmlns:r="http://schemas.openxmlformats.org/officeDocument/2006/relationships" xmlns:p="http://schemas.openxmlformats.org/presentationml/2006/main">
   <p:cSld>
     <p:spTree>
@@ -21063,81 +21451,7 @@
 </p:sld>
 </file>
 
-<file path=ppt/slides/slide3.xml><?xml version="1.0" encoding="utf-8"?>
-<p:sld xmlns:a="http://schemas.openxmlformats.org/drawingml/2006/main" xmlns:r="http://schemas.openxmlformats.org/officeDocument/2006/relationships" xmlns:p="http://schemas.openxmlformats.org/presentationml/2006/main">
-  <p:cSld>
-    <p:spTree>
-      <p:nvGrpSpPr>
-        <p:cNvPr id="1" name="">
-          <a:extLst>
-            <a:ext uri="{FF2B5EF4-FFF2-40B4-BE49-F238E27FC236}">
-              <a16:creationId xmlns:a16="http://schemas.microsoft.com/office/drawing/2014/main" id="{3BE717F5-C1BB-BA66-C43B-D13B6C51C13A}"/>
-            </a:ext>
-          </a:extLst>
-        </p:cNvPr>
-        <p:cNvGrpSpPr/>
-        <p:nvPr/>
-      </p:nvGrpSpPr>
-      <p:grpSpPr>
-        <a:xfrm>
-          <a:off x="0" y="0"/>
-          <a:ext cx="0" cy="0"/>
-          <a:chOff x="0" y="0"/>
-          <a:chExt cx="0" cy="0"/>
-        </a:xfrm>
-      </p:grpSpPr>
-      <p:sp>
-        <p:nvSpPr>
-          <p:cNvPr id="3" name="TextBox 2">
-            <a:extLst>
-              <a:ext uri="{FF2B5EF4-FFF2-40B4-BE49-F238E27FC236}">
-                <a16:creationId xmlns:a16="http://schemas.microsoft.com/office/drawing/2014/main" id="{7B758C29-1C59-BAF3-7786-ED796243D2DD}"/>
-              </a:ext>
-            </a:extLst>
-          </p:cNvPr>
-          <p:cNvSpPr txBox="1"/>
-          <p:nvPr/>
-        </p:nvSpPr>
-        <p:spPr>
-          <a:xfrm>
-            <a:off x="152400" y="2321004"/>
-            <a:ext cx="11887200" cy="1107996"/>
-          </a:xfrm>
-          <a:prstGeom prst="rect">
-            <a:avLst/>
-          </a:prstGeom>
-          <a:noFill/>
-        </p:spPr>
-        <p:txBody>
-          <a:bodyPr wrap="square" rtlCol="0">
-            <a:spAutoFit/>
-          </a:bodyPr>
-          <a:lstStyle/>
-          <a:p>
-            <a:pPr algn="ctr"/>
-            <a:r>
-              <a:rPr lang="en-US" sz="6600" dirty="0">
-                <a:latin typeface="+mj-lt"/>
-              </a:rPr>
-              <a:t>Introduction</a:t>
-            </a:r>
-          </a:p>
-        </p:txBody>
-      </p:sp>
-    </p:spTree>
-    <p:extLst>
-      <p:ext uri="{BB962C8B-B14F-4D97-AF65-F5344CB8AC3E}">
-        <p14:creationId xmlns:p14="http://schemas.microsoft.com/office/powerpoint/2010/main" val="1540370198"/>
-      </p:ext>
-    </p:extLst>
-  </p:cSld>
-  <p:clrMapOvr>
-    <a:masterClrMapping/>
-  </p:clrMapOvr>
-</p:sld>
-</file>
-
-<file path=ppt/slides/slide30.xml><?xml version="1.0" encoding="utf-8"?>
+<file path=ppt/slides/slide31.xml><?xml version="1.0" encoding="utf-8"?>
 <p:sld xmlns:a="http://schemas.openxmlformats.org/drawingml/2006/main" xmlns:r="http://schemas.openxmlformats.org/officeDocument/2006/relationships" xmlns:p="http://schemas.openxmlformats.org/presentationml/2006/main">
   <p:cSld>
     <p:spTree>
@@ -21494,7 +21808,7 @@
 </p:sld>
 </file>
 
-<file path=ppt/slides/slide31.xml><?xml version="1.0" encoding="utf-8"?>
+<file path=ppt/slides/slide32.xml><?xml version="1.0" encoding="utf-8"?>
 <p:sld xmlns:a="http://schemas.openxmlformats.org/drawingml/2006/main" xmlns:r="http://schemas.openxmlformats.org/officeDocument/2006/relationships" xmlns:p="http://schemas.openxmlformats.org/presentationml/2006/main">
   <p:cSld>
     <p:spTree>
@@ -21618,7 +21932,7 @@
 </p:sld>
 </file>
 
-<file path=ppt/slides/slide32.xml><?xml version="1.0" encoding="utf-8"?>
+<file path=ppt/slides/slide33.xml><?xml version="1.0" encoding="utf-8"?>
 <p:sld xmlns:a="http://schemas.openxmlformats.org/drawingml/2006/main" xmlns:r="http://schemas.openxmlformats.org/officeDocument/2006/relationships" xmlns:p="http://schemas.openxmlformats.org/presentationml/2006/main">
   <p:cSld>
     <p:spTree>
@@ -21724,7 +22038,7 @@
 </p:sld>
 </file>
 
-<file path=ppt/slides/slide33.xml><?xml version="1.0" encoding="utf-8"?>
+<file path=ppt/slides/slide34.xml><?xml version="1.0" encoding="utf-8"?>
 <p:sld xmlns:a="http://schemas.openxmlformats.org/drawingml/2006/main" xmlns:r="http://schemas.openxmlformats.org/officeDocument/2006/relationships" xmlns:p="http://schemas.openxmlformats.org/presentationml/2006/main">
   <p:cSld>
     <p:spTree>
@@ -21830,7 +22144,7 @@
 </p:sld>
 </file>
 
-<file path=ppt/slides/slide34.xml><?xml version="1.0" encoding="utf-8"?>
+<file path=ppt/slides/slide35.xml><?xml version="1.0" encoding="utf-8"?>
 <p:sld xmlns:a="http://schemas.openxmlformats.org/drawingml/2006/main" xmlns:r="http://schemas.openxmlformats.org/officeDocument/2006/relationships" xmlns:p="http://schemas.openxmlformats.org/presentationml/2006/main">
   <p:cSld>
     <p:spTree>
@@ -21936,7 +22250,7 @@
 </p:sld>
 </file>
 
-<file path=ppt/slides/slide35.xml><?xml version="1.0" encoding="utf-8"?>
+<file path=ppt/slides/slide36.xml><?xml version="1.0" encoding="utf-8"?>
 <p:sld xmlns:a="http://schemas.openxmlformats.org/drawingml/2006/main" xmlns:r="http://schemas.openxmlformats.org/officeDocument/2006/relationships" xmlns:p="http://schemas.openxmlformats.org/presentationml/2006/main">
   <p:cSld>
     <p:spTree>
@@ -22185,7 +22499,7 @@
 </p:sld>
 </file>
 
-<file path=ppt/slides/slide36.xml><?xml version="1.0" encoding="utf-8"?>
+<file path=ppt/slides/slide37.xml><?xml version="1.0" encoding="utf-8"?>
 <p:sld xmlns:a="http://schemas.openxmlformats.org/drawingml/2006/main" xmlns:r="http://schemas.openxmlformats.org/officeDocument/2006/relationships" xmlns:p="http://schemas.openxmlformats.org/presentationml/2006/main">
   <p:cSld>
     <p:spTree>
@@ -22291,7 +22605,7 @@
 </p:sld>
 </file>
 
-<file path=ppt/slides/slide37.xml><?xml version="1.0" encoding="utf-8"?>
+<file path=ppt/slides/slide38.xml><?xml version="1.0" encoding="utf-8"?>
 <p:sld xmlns:a="http://schemas.openxmlformats.org/drawingml/2006/main" xmlns:r="http://schemas.openxmlformats.org/officeDocument/2006/relationships" xmlns:p="http://schemas.openxmlformats.org/presentationml/2006/main">
   <p:cSld>
     <p:spTree>
@@ -22536,7 +22850,7 @@
 </p:sld>
 </file>
 
-<file path=ppt/slides/slide38.xml><?xml version="1.0" encoding="utf-8"?>
+<file path=ppt/slides/slide39.xml><?xml version="1.0" encoding="utf-8"?>
 <p:sld xmlns:a="http://schemas.openxmlformats.org/drawingml/2006/main" xmlns:r="http://schemas.openxmlformats.org/officeDocument/2006/relationships" xmlns:p="http://schemas.openxmlformats.org/presentationml/2006/main">
   <p:cSld>
     <p:spTree>
@@ -22633,445 +22947,6 @@
     <p:extLst>
       <p:ext uri="{BB962C8B-B14F-4D97-AF65-F5344CB8AC3E}">
         <p14:creationId xmlns:p14="http://schemas.microsoft.com/office/powerpoint/2010/main" val="2886002681"/>
-      </p:ext>
-    </p:extLst>
-  </p:cSld>
-  <p:clrMapOvr>
-    <a:masterClrMapping/>
-  </p:clrMapOvr>
-</p:sld>
-</file>
-
-<file path=ppt/slides/slide39.xml><?xml version="1.0" encoding="utf-8"?>
-<p:sld xmlns:a="http://schemas.openxmlformats.org/drawingml/2006/main" xmlns:r="http://schemas.openxmlformats.org/officeDocument/2006/relationships" xmlns:p="http://schemas.openxmlformats.org/presentationml/2006/main">
-  <p:cSld>
-    <p:spTree>
-      <p:nvGrpSpPr>
-        <p:cNvPr id="1" name="">
-          <a:extLst>
-            <a:ext uri="{FF2B5EF4-FFF2-40B4-BE49-F238E27FC236}">
-              <a16:creationId xmlns:a16="http://schemas.microsoft.com/office/drawing/2014/main" id="{320EBB51-0DF0-DEAA-7CAC-B0035A801585}"/>
-            </a:ext>
-          </a:extLst>
-        </p:cNvPr>
-        <p:cNvGrpSpPr/>
-        <p:nvPr/>
-      </p:nvGrpSpPr>
-      <p:grpSpPr>
-        <a:xfrm>
-          <a:off x="0" y="0"/>
-          <a:ext cx="0" cy="0"/>
-          <a:chOff x="0" y="0"/>
-          <a:chExt cx="0" cy="0"/>
-        </a:xfrm>
-      </p:grpSpPr>
-      <p:sp>
-        <p:nvSpPr>
-          <p:cNvPr id="2" name="Title 1">
-            <a:extLst>
-              <a:ext uri="{FF2B5EF4-FFF2-40B4-BE49-F238E27FC236}">
-                <a16:creationId xmlns:a16="http://schemas.microsoft.com/office/drawing/2014/main" id="{48B1F7FD-F909-C799-A985-6F9923896188}"/>
-              </a:ext>
-            </a:extLst>
-          </p:cNvPr>
-          <p:cNvSpPr>
-            <a:spLocks noGrp="1"/>
-          </p:cNvSpPr>
-          <p:nvPr>
-            <p:ph type="title"/>
-          </p:nvPr>
-        </p:nvSpPr>
-        <p:spPr>
-          <a:xfrm>
-            <a:off x="774827" y="569535"/>
-            <a:ext cx="10923705" cy="996715"/>
-          </a:xfrm>
-        </p:spPr>
-        <p:txBody>
-          <a:bodyPr>
-            <a:noAutofit/>
-          </a:bodyPr>
-          <a:lstStyle/>
-          <a:p>
-            <a:r>
-              <a:rPr lang="en-US" sz="4800" dirty="0">
-                <a:latin typeface="+mj-lt"/>
-              </a:rPr>
-              <a:t>LSTM implementation</a:t>
-            </a:r>
-            <a:endParaRPr lang="it-IT" sz="4800" dirty="0"/>
-          </a:p>
-        </p:txBody>
-      </p:sp>
-      <p:sp>
-        <p:nvSpPr>
-          <p:cNvPr id="3" name="Content Placeholder 2">
-            <a:extLst>
-              <a:ext uri="{FF2B5EF4-FFF2-40B4-BE49-F238E27FC236}">
-                <a16:creationId xmlns:a16="http://schemas.microsoft.com/office/drawing/2014/main" id="{3E60174F-03BA-CEF2-86B6-AEF4EC277D53}"/>
-              </a:ext>
-            </a:extLst>
-          </p:cNvPr>
-          <p:cNvSpPr>
-            <a:spLocks noGrp="1"/>
-          </p:cNvSpPr>
-          <p:nvPr>
-            <p:ph idx="1"/>
-          </p:nvPr>
-        </p:nvSpPr>
-        <p:spPr>
-          <a:xfrm>
-            <a:off x="770678" y="1687398"/>
-            <a:ext cx="5865792" cy="4101987"/>
-          </a:xfrm>
-        </p:spPr>
-        <p:txBody>
-          <a:bodyPr>
-            <a:normAutofit/>
-          </a:bodyPr>
-          <a:lstStyle/>
-          <a:p>
-            <a:pPr marL="285750" indent="-285750">
-              <a:buFont typeface="Arial" panose="020B0604020202020204" pitchFamily="34" charset="0"/>
-              <a:buChar char="•"/>
-            </a:pPr>
-            <a:r>
-              <a:rPr lang="en-US" dirty="0">
-                <a:latin typeface="+mn-lt"/>
-              </a:rPr>
-              <a:t>Training 80% and validation 20%</a:t>
-            </a:r>
-          </a:p>
-          <a:p>
-            <a:pPr marL="285750" indent="-285750">
-              <a:buFont typeface="Arial" panose="020B0604020202020204" pitchFamily="34" charset="0"/>
-              <a:buChar char="•"/>
-            </a:pPr>
-            <a:r>
-              <a:rPr lang="en-US" dirty="0">
-                <a:latin typeface="+mn-lt"/>
-              </a:rPr>
-              <a:t>Minimizing a loss function in the training phase: </a:t>
-            </a:r>
-            <a:r>
-              <a:rPr lang="en-US" b="1" dirty="0">
-                <a:latin typeface="+mn-lt"/>
-              </a:rPr>
-              <a:t>MSE</a:t>
-            </a:r>
-          </a:p>
-          <a:p>
-            <a:pPr marL="285750" indent="-285750">
-              <a:buFont typeface="Arial" panose="020B0604020202020204" pitchFamily="34" charset="0"/>
-              <a:buChar char="•"/>
-            </a:pPr>
-            <a:r>
-              <a:rPr lang="en-US" dirty="0">
-                <a:latin typeface="+mn-lt"/>
-              </a:rPr>
-              <a:t>Optimizer used to update the weights of the parameters involved: </a:t>
-            </a:r>
-            <a:r>
-              <a:rPr lang="en-US" b="1" dirty="0">
-                <a:latin typeface="+mn-lt"/>
-              </a:rPr>
-              <a:t>Adam optimizer</a:t>
-            </a:r>
-          </a:p>
-          <a:p>
-            <a:pPr marL="971550" lvl="1" indent="-285750"/>
-            <a:r>
-              <a:rPr lang="en-US" sz="1600" dirty="0">
-                <a:latin typeface="+mn-lt"/>
-              </a:rPr>
-              <a:t>Adaptive Learning Rate</a:t>
-            </a:r>
-          </a:p>
-          <a:p>
-            <a:pPr marL="971550" lvl="1" indent="-285750"/>
-            <a:r>
-              <a:rPr lang="en-US" sz="1600" dirty="0">
-                <a:latin typeface="+mn-lt"/>
-              </a:rPr>
-              <a:t>Bias Correction</a:t>
-            </a:r>
-          </a:p>
-          <a:p>
-            <a:pPr marL="971550" lvl="1" indent="-285750"/>
-            <a:r>
-              <a:rPr lang="en-US" sz="1600" dirty="0">
-                <a:latin typeface="+mn-lt"/>
-              </a:rPr>
-              <a:t>robustness and effectiveness in training</a:t>
-            </a:r>
-          </a:p>
-          <a:p>
-            <a:pPr marL="971550" lvl="1" indent="-285750"/>
-            <a:r>
-              <a:rPr lang="en-US" sz="1600" dirty="0">
-                <a:latin typeface="+mn-lt"/>
-              </a:rPr>
-              <a:t>Computationally efficient</a:t>
-            </a:r>
-          </a:p>
-          <a:p>
-            <a:pPr marL="285750" marR="0" lvl="0" indent="-285750" algn="l" defTabSz="914400" rtl="0" eaLnBrk="1" fontAlgn="auto" latinLnBrk="0" hangingPunct="1">
-              <a:lnSpc>
-                <a:spcPct val="90000"/>
-              </a:lnSpc>
-              <a:spcBef>
-                <a:spcPts val="1000"/>
-              </a:spcBef>
-              <a:spcAft>
-                <a:spcPts val="0"/>
-              </a:spcAft>
-              <a:buClrTx/>
-              <a:buSzTx/>
-              <a:buFont typeface="Arial" panose="020B0604020202020204" pitchFamily="34" charset="0"/>
-              <a:buChar char="•"/>
-              <a:tabLst/>
-              <a:defRPr/>
-            </a:pPr>
-            <a:r>
-              <a:rPr kumimoji="0" lang="en-US" sz="1800" b="0" i="0" u="none" strike="noStrike" kern="1200" cap="none" spc="0" normalizeH="0" baseline="0" noProof="0" dirty="0" err="1">
-                <a:ln>
-                  <a:noFill/>
-                </a:ln>
-                <a:solidFill>
-                  <a:srgbClr val="182642"/>
-                </a:solidFill>
-                <a:effectLst/>
-                <a:uLnTx/>
-                <a:uFillTx/>
-                <a:latin typeface="Courier New" panose="02070309020205020404" pitchFamily="49" charset="0"/>
-                <a:cs typeface="Courier New" panose="02070309020205020404" pitchFamily="49" charset="0"/>
-              </a:rPr>
-              <a:t>num_epochs</a:t>
-            </a:r>
-            <a:r>
-              <a:rPr kumimoji="0" lang="en-US" sz="1800" b="0" i="0" u="none" strike="noStrike" kern="1200" cap="none" spc="0" normalizeH="0" baseline="0" noProof="0" dirty="0">
-                <a:ln>
-                  <a:noFill/>
-                </a:ln>
-                <a:solidFill>
-                  <a:srgbClr val="182642"/>
-                </a:solidFill>
-                <a:effectLst/>
-                <a:uLnTx/>
-                <a:uFillTx/>
-                <a:latin typeface="+mn-lt"/>
-                <a:cs typeface="Courier New" panose="02070309020205020404" pitchFamily="49" charset="0"/>
-              </a:rPr>
-              <a:t>, </a:t>
-            </a:r>
-            <a:r>
-              <a:rPr lang="en-US" dirty="0"/>
-              <a:t>the number of times the entire dataset will be passed forward and backward through the network during the training process</a:t>
-            </a:r>
-          </a:p>
-          <a:p>
-            <a:pPr marL="285750" marR="0" lvl="0" indent="-285750" algn="l" defTabSz="914400" rtl="0" eaLnBrk="1" fontAlgn="auto" latinLnBrk="0" hangingPunct="1">
-              <a:lnSpc>
-                <a:spcPct val="90000"/>
-              </a:lnSpc>
-              <a:spcBef>
-                <a:spcPts val="1000"/>
-              </a:spcBef>
-              <a:spcAft>
-                <a:spcPts val="0"/>
-              </a:spcAft>
-              <a:buClrTx/>
-              <a:buSzTx/>
-              <a:buFont typeface="Arial" panose="020B0604020202020204" pitchFamily="34" charset="0"/>
-              <a:buChar char="•"/>
-              <a:tabLst/>
-              <a:defRPr/>
-            </a:pPr>
-            <a:r>
-              <a:rPr lang="en-US" dirty="0"/>
-              <a:t>Tuning on to </a:t>
-            </a:r>
-            <a:r>
-              <a:rPr kumimoji="0" lang="en-US" sz="1800" b="0" i="0" u="none" strike="noStrike" kern="1200" cap="none" spc="0" normalizeH="0" baseline="0" noProof="0" dirty="0" err="1">
-                <a:ln>
-                  <a:noFill/>
-                </a:ln>
-                <a:solidFill>
-                  <a:srgbClr val="182642"/>
-                </a:solidFill>
-                <a:effectLst/>
-                <a:uLnTx/>
-                <a:uFillTx/>
-                <a:latin typeface="Courier New" panose="02070309020205020404" pitchFamily="49" charset="0"/>
-                <a:cs typeface="Courier New" panose="02070309020205020404" pitchFamily="49" charset="0"/>
-              </a:rPr>
-              <a:t>num_epochs</a:t>
-            </a:r>
-            <a:r>
-              <a:rPr kumimoji="0" lang="en-US" sz="1800" b="0" i="0" u="none" strike="noStrike" kern="1200" cap="none" spc="0" normalizeH="0" baseline="0" noProof="0" dirty="0">
-                <a:ln>
-                  <a:noFill/>
-                </a:ln>
-                <a:solidFill>
-                  <a:srgbClr val="182642"/>
-                </a:solidFill>
-                <a:effectLst/>
-                <a:uLnTx/>
-                <a:uFillTx/>
-                <a:latin typeface="Courier New" panose="02070309020205020404" pitchFamily="49" charset="0"/>
-                <a:cs typeface="Courier New" panose="02070309020205020404" pitchFamily="49" charset="0"/>
-              </a:rPr>
-              <a:t> </a:t>
-            </a:r>
-            <a:r>
-              <a:rPr lang="en-US" dirty="0"/>
-              <a:t>avoid overfitting </a:t>
-            </a:r>
-          </a:p>
-          <a:p>
-            <a:pPr marL="285750" marR="0" lvl="0" indent="-285750" algn="l" defTabSz="914400" rtl="0" eaLnBrk="1" fontAlgn="auto" latinLnBrk="0" hangingPunct="1">
-              <a:lnSpc>
-                <a:spcPct val="90000"/>
-              </a:lnSpc>
-              <a:spcBef>
-                <a:spcPts val="1000"/>
-              </a:spcBef>
-              <a:spcAft>
-                <a:spcPts val="0"/>
-              </a:spcAft>
-              <a:buClrTx/>
-              <a:buSzTx/>
-              <a:buFont typeface="Arial" panose="020B0604020202020204" pitchFamily="34" charset="0"/>
-              <a:buChar char="•"/>
-              <a:tabLst/>
-              <a:defRPr/>
-            </a:pPr>
-            <a:r>
-              <a:rPr lang="en-US" dirty="0"/>
-              <a:t>Residual analysis and testing </a:t>
-            </a:r>
-          </a:p>
-          <a:p>
-            <a:pPr marL="285750" marR="0" lvl="0" indent="-285750" algn="l" defTabSz="914400" rtl="0" eaLnBrk="1" fontAlgn="auto" latinLnBrk="0" hangingPunct="1">
-              <a:lnSpc>
-                <a:spcPct val="90000"/>
-              </a:lnSpc>
-              <a:spcBef>
-                <a:spcPts val="1000"/>
-              </a:spcBef>
-              <a:spcAft>
-                <a:spcPts val="0"/>
-              </a:spcAft>
-              <a:buClrTx/>
-              <a:buSzTx/>
-              <a:buFont typeface="Arial" panose="020B0604020202020204" pitchFamily="34" charset="0"/>
-              <a:buChar char="•"/>
-              <a:tabLst/>
-              <a:defRPr/>
-            </a:pPr>
-            <a:endParaRPr kumimoji="0" lang="en-US" sz="1800" b="0" i="0" u="none" strike="noStrike" kern="1200" cap="none" spc="0" normalizeH="0" baseline="0" noProof="0" dirty="0">
-              <a:ln>
-                <a:noFill/>
-              </a:ln>
-              <a:solidFill>
-                <a:srgbClr val="182642"/>
-              </a:solidFill>
-              <a:effectLst/>
-              <a:uLnTx/>
-              <a:uFillTx/>
-              <a:latin typeface="+mn-lt"/>
-              <a:cs typeface="Courier New" panose="02070309020205020404" pitchFamily="49" charset="0"/>
-            </a:endParaRPr>
-          </a:p>
-          <a:p>
-            <a:pPr marL="285750" indent="-285750">
-              <a:buFont typeface="Arial" panose="020B0604020202020204" pitchFamily="34" charset="0"/>
-              <a:buChar char="•"/>
-            </a:pPr>
-            <a:endParaRPr lang="en-US" sz="1000" dirty="0">
-              <a:latin typeface="+mn-lt"/>
-            </a:endParaRPr>
-          </a:p>
-        </p:txBody>
-      </p:sp>
-      <p:sp>
-        <p:nvSpPr>
-          <p:cNvPr id="5" name="TextBox 4">
-            <a:extLst>
-              <a:ext uri="{FF2B5EF4-FFF2-40B4-BE49-F238E27FC236}">
-                <a16:creationId xmlns:a16="http://schemas.microsoft.com/office/drawing/2014/main" id="{2819BA8D-A6F0-3330-38B8-9C4C3644834B}"/>
-              </a:ext>
-            </a:extLst>
-          </p:cNvPr>
-          <p:cNvSpPr txBox="1"/>
-          <p:nvPr/>
-        </p:nvSpPr>
-        <p:spPr>
-          <a:xfrm>
-            <a:off x="6990593" y="5050721"/>
-            <a:ext cx="5028582" cy="738664"/>
-          </a:xfrm>
-          <a:prstGeom prst="rect">
-            <a:avLst/>
-          </a:prstGeom>
-          <a:noFill/>
-        </p:spPr>
-        <p:txBody>
-          <a:bodyPr wrap="square" rtlCol="0">
-            <a:spAutoFit/>
-          </a:bodyPr>
-          <a:lstStyle/>
-          <a:p>
-            <a:r>
-              <a:rPr lang="en-US" sz="1400" b="1" dirty="0"/>
-              <a:t>Figure</a:t>
-            </a:r>
-            <a:r>
-              <a:rPr lang="en-US" sz="1400" dirty="0"/>
-              <a:t>: In “An overview of gradient descent optimization algorithms” Sebastian Ruder says: “Adam might be the best overall choice”  </a:t>
-            </a:r>
-            <a:r>
-              <a:rPr lang="en-US" sz="1400" b="1" dirty="0"/>
-              <a:t>[9]</a:t>
-            </a:r>
-            <a:endParaRPr lang="it-IT" sz="1400" b="1" dirty="0"/>
-          </a:p>
-        </p:txBody>
-      </p:sp>
-      <p:pic>
-        <p:nvPicPr>
-          <p:cNvPr id="7" name="Picture 6" descr="A graph of a graph&#10;&#10;Description automatically generated with medium confidence">
-            <a:extLst>
-              <a:ext uri="{FF2B5EF4-FFF2-40B4-BE49-F238E27FC236}">
-                <a16:creationId xmlns:a16="http://schemas.microsoft.com/office/drawing/2014/main" id="{C291E3C3-15AA-C3FB-CDBC-17C22152F9BE}"/>
-              </a:ext>
-            </a:extLst>
-          </p:cNvPr>
-          <p:cNvPicPr>
-            <a:picLocks noChangeAspect="1"/>
-          </p:cNvPicPr>
-          <p:nvPr/>
-        </p:nvPicPr>
-        <p:blipFill>
-          <a:blip r:embed="rId2"/>
-          <a:stretch>
-            <a:fillRect/>
-          </a:stretch>
-        </p:blipFill>
-        <p:spPr>
-          <a:xfrm>
-            <a:off x="7749125" y="1566250"/>
-            <a:ext cx="3497052" cy="3392662"/>
-          </a:xfrm>
-          <a:prstGeom prst="rect">
-            <a:avLst/>
-          </a:prstGeom>
-        </p:spPr>
-      </p:pic>
-    </p:spTree>
-    <p:extLst>
-      <p:ext uri="{BB962C8B-B14F-4D97-AF65-F5344CB8AC3E}">
-        <p14:creationId xmlns:p14="http://schemas.microsoft.com/office/powerpoint/2010/main" val="2923088270"/>
       </p:ext>
     </p:extLst>
   </p:cSld>
@@ -23156,6 +23031,445 @@
 </file>
 
 <file path=ppt/slides/slide40.xml><?xml version="1.0" encoding="utf-8"?>
+<p:sld xmlns:a="http://schemas.openxmlformats.org/drawingml/2006/main" xmlns:r="http://schemas.openxmlformats.org/officeDocument/2006/relationships" xmlns:p="http://schemas.openxmlformats.org/presentationml/2006/main">
+  <p:cSld>
+    <p:spTree>
+      <p:nvGrpSpPr>
+        <p:cNvPr id="1" name="">
+          <a:extLst>
+            <a:ext uri="{FF2B5EF4-FFF2-40B4-BE49-F238E27FC236}">
+              <a16:creationId xmlns:a16="http://schemas.microsoft.com/office/drawing/2014/main" id="{320EBB51-0DF0-DEAA-7CAC-B0035A801585}"/>
+            </a:ext>
+          </a:extLst>
+        </p:cNvPr>
+        <p:cNvGrpSpPr/>
+        <p:nvPr/>
+      </p:nvGrpSpPr>
+      <p:grpSpPr>
+        <a:xfrm>
+          <a:off x="0" y="0"/>
+          <a:ext cx="0" cy="0"/>
+          <a:chOff x="0" y="0"/>
+          <a:chExt cx="0" cy="0"/>
+        </a:xfrm>
+      </p:grpSpPr>
+      <p:sp>
+        <p:nvSpPr>
+          <p:cNvPr id="2" name="Title 1">
+            <a:extLst>
+              <a:ext uri="{FF2B5EF4-FFF2-40B4-BE49-F238E27FC236}">
+                <a16:creationId xmlns:a16="http://schemas.microsoft.com/office/drawing/2014/main" id="{48B1F7FD-F909-C799-A985-6F9923896188}"/>
+              </a:ext>
+            </a:extLst>
+          </p:cNvPr>
+          <p:cNvSpPr>
+            <a:spLocks noGrp="1"/>
+          </p:cNvSpPr>
+          <p:nvPr>
+            <p:ph type="title"/>
+          </p:nvPr>
+        </p:nvSpPr>
+        <p:spPr>
+          <a:xfrm>
+            <a:off x="774827" y="569535"/>
+            <a:ext cx="10923705" cy="996715"/>
+          </a:xfrm>
+        </p:spPr>
+        <p:txBody>
+          <a:bodyPr>
+            <a:noAutofit/>
+          </a:bodyPr>
+          <a:lstStyle/>
+          <a:p>
+            <a:r>
+              <a:rPr lang="en-US" sz="4800" dirty="0">
+                <a:latin typeface="+mj-lt"/>
+              </a:rPr>
+              <a:t>LSTM implementation</a:t>
+            </a:r>
+            <a:endParaRPr lang="it-IT" sz="4800" dirty="0"/>
+          </a:p>
+        </p:txBody>
+      </p:sp>
+      <p:sp>
+        <p:nvSpPr>
+          <p:cNvPr id="3" name="Content Placeholder 2">
+            <a:extLst>
+              <a:ext uri="{FF2B5EF4-FFF2-40B4-BE49-F238E27FC236}">
+                <a16:creationId xmlns:a16="http://schemas.microsoft.com/office/drawing/2014/main" id="{3E60174F-03BA-CEF2-86B6-AEF4EC277D53}"/>
+              </a:ext>
+            </a:extLst>
+          </p:cNvPr>
+          <p:cNvSpPr>
+            <a:spLocks noGrp="1"/>
+          </p:cNvSpPr>
+          <p:nvPr>
+            <p:ph idx="1"/>
+          </p:nvPr>
+        </p:nvSpPr>
+        <p:spPr>
+          <a:xfrm>
+            <a:off x="770678" y="1687398"/>
+            <a:ext cx="5865792" cy="4101987"/>
+          </a:xfrm>
+        </p:spPr>
+        <p:txBody>
+          <a:bodyPr>
+            <a:normAutofit/>
+          </a:bodyPr>
+          <a:lstStyle/>
+          <a:p>
+            <a:pPr marL="285750" indent="-285750">
+              <a:buFont typeface="Arial" panose="020B0604020202020204" pitchFamily="34" charset="0"/>
+              <a:buChar char="•"/>
+            </a:pPr>
+            <a:r>
+              <a:rPr lang="en-US" dirty="0">
+                <a:latin typeface="+mn-lt"/>
+              </a:rPr>
+              <a:t>Training 80% and validation 20%</a:t>
+            </a:r>
+          </a:p>
+          <a:p>
+            <a:pPr marL="285750" indent="-285750">
+              <a:buFont typeface="Arial" panose="020B0604020202020204" pitchFamily="34" charset="0"/>
+              <a:buChar char="•"/>
+            </a:pPr>
+            <a:r>
+              <a:rPr lang="en-US" dirty="0">
+                <a:latin typeface="+mn-lt"/>
+              </a:rPr>
+              <a:t>Minimizing a loss function in the training phase: </a:t>
+            </a:r>
+            <a:r>
+              <a:rPr lang="en-US" b="1" dirty="0">
+                <a:latin typeface="+mn-lt"/>
+              </a:rPr>
+              <a:t>MSE</a:t>
+            </a:r>
+          </a:p>
+          <a:p>
+            <a:pPr marL="285750" indent="-285750">
+              <a:buFont typeface="Arial" panose="020B0604020202020204" pitchFamily="34" charset="0"/>
+              <a:buChar char="•"/>
+            </a:pPr>
+            <a:r>
+              <a:rPr lang="en-US" dirty="0">
+                <a:latin typeface="+mn-lt"/>
+              </a:rPr>
+              <a:t>Optimizer used to update the weights of the parameters involved: </a:t>
+            </a:r>
+            <a:r>
+              <a:rPr lang="en-US" b="1" dirty="0">
+                <a:latin typeface="+mn-lt"/>
+              </a:rPr>
+              <a:t>Adam optimizer</a:t>
+            </a:r>
+          </a:p>
+          <a:p>
+            <a:pPr marL="971550" lvl="1" indent="-285750"/>
+            <a:r>
+              <a:rPr lang="en-US" sz="1600" dirty="0">
+                <a:latin typeface="+mn-lt"/>
+              </a:rPr>
+              <a:t>Adaptive Learning Rate</a:t>
+            </a:r>
+          </a:p>
+          <a:p>
+            <a:pPr marL="971550" lvl="1" indent="-285750"/>
+            <a:r>
+              <a:rPr lang="en-US" sz="1600" dirty="0">
+                <a:latin typeface="+mn-lt"/>
+              </a:rPr>
+              <a:t>Bias Correction</a:t>
+            </a:r>
+          </a:p>
+          <a:p>
+            <a:pPr marL="971550" lvl="1" indent="-285750"/>
+            <a:r>
+              <a:rPr lang="en-US" sz="1600" dirty="0">
+                <a:latin typeface="+mn-lt"/>
+              </a:rPr>
+              <a:t>robustness and effectiveness in training</a:t>
+            </a:r>
+          </a:p>
+          <a:p>
+            <a:pPr marL="971550" lvl="1" indent="-285750"/>
+            <a:r>
+              <a:rPr lang="en-US" sz="1600" dirty="0">
+                <a:latin typeface="+mn-lt"/>
+              </a:rPr>
+              <a:t>Computationally efficient</a:t>
+            </a:r>
+          </a:p>
+          <a:p>
+            <a:pPr marL="285750" marR="0" lvl="0" indent="-285750" algn="l" defTabSz="914400" rtl="0" eaLnBrk="1" fontAlgn="auto" latinLnBrk="0" hangingPunct="1">
+              <a:lnSpc>
+                <a:spcPct val="90000"/>
+              </a:lnSpc>
+              <a:spcBef>
+                <a:spcPts val="1000"/>
+              </a:spcBef>
+              <a:spcAft>
+                <a:spcPts val="0"/>
+              </a:spcAft>
+              <a:buClrTx/>
+              <a:buSzTx/>
+              <a:buFont typeface="Arial" panose="020B0604020202020204" pitchFamily="34" charset="0"/>
+              <a:buChar char="•"/>
+              <a:tabLst/>
+              <a:defRPr/>
+            </a:pPr>
+            <a:r>
+              <a:rPr kumimoji="0" lang="en-US" sz="1800" b="0" i="0" u="none" strike="noStrike" kern="1200" cap="none" spc="0" normalizeH="0" baseline="0" noProof="0" dirty="0" err="1">
+                <a:ln>
+                  <a:noFill/>
+                </a:ln>
+                <a:solidFill>
+                  <a:srgbClr val="182642"/>
+                </a:solidFill>
+                <a:effectLst/>
+                <a:uLnTx/>
+                <a:uFillTx/>
+                <a:latin typeface="Courier New" panose="02070309020205020404" pitchFamily="49" charset="0"/>
+                <a:cs typeface="Courier New" panose="02070309020205020404" pitchFamily="49" charset="0"/>
+              </a:rPr>
+              <a:t>num_epochs</a:t>
+            </a:r>
+            <a:r>
+              <a:rPr kumimoji="0" lang="en-US" sz="1800" b="0" i="0" u="none" strike="noStrike" kern="1200" cap="none" spc="0" normalizeH="0" baseline="0" noProof="0" dirty="0">
+                <a:ln>
+                  <a:noFill/>
+                </a:ln>
+                <a:solidFill>
+                  <a:srgbClr val="182642"/>
+                </a:solidFill>
+                <a:effectLst/>
+                <a:uLnTx/>
+                <a:uFillTx/>
+                <a:latin typeface="+mn-lt"/>
+                <a:cs typeface="Courier New" panose="02070309020205020404" pitchFamily="49" charset="0"/>
+              </a:rPr>
+              <a:t>, </a:t>
+            </a:r>
+            <a:r>
+              <a:rPr lang="en-US" dirty="0"/>
+              <a:t>the number of times the entire dataset will be passed forward and backward through the network during the training process</a:t>
+            </a:r>
+          </a:p>
+          <a:p>
+            <a:pPr marL="285750" marR="0" lvl="0" indent="-285750" algn="l" defTabSz="914400" rtl="0" eaLnBrk="1" fontAlgn="auto" latinLnBrk="0" hangingPunct="1">
+              <a:lnSpc>
+                <a:spcPct val="90000"/>
+              </a:lnSpc>
+              <a:spcBef>
+                <a:spcPts val="1000"/>
+              </a:spcBef>
+              <a:spcAft>
+                <a:spcPts val="0"/>
+              </a:spcAft>
+              <a:buClrTx/>
+              <a:buSzTx/>
+              <a:buFont typeface="Arial" panose="020B0604020202020204" pitchFamily="34" charset="0"/>
+              <a:buChar char="•"/>
+              <a:tabLst/>
+              <a:defRPr/>
+            </a:pPr>
+            <a:r>
+              <a:rPr lang="en-US" dirty="0"/>
+              <a:t>Tuning on to </a:t>
+            </a:r>
+            <a:r>
+              <a:rPr kumimoji="0" lang="en-US" sz="1800" b="0" i="0" u="none" strike="noStrike" kern="1200" cap="none" spc="0" normalizeH="0" baseline="0" noProof="0" dirty="0" err="1">
+                <a:ln>
+                  <a:noFill/>
+                </a:ln>
+                <a:solidFill>
+                  <a:srgbClr val="182642"/>
+                </a:solidFill>
+                <a:effectLst/>
+                <a:uLnTx/>
+                <a:uFillTx/>
+                <a:latin typeface="Courier New" panose="02070309020205020404" pitchFamily="49" charset="0"/>
+                <a:cs typeface="Courier New" panose="02070309020205020404" pitchFamily="49" charset="0"/>
+              </a:rPr>
+              <a:t>num_epochs</a:t>
+            </a:r>
+            <a:r>
+              <a:rPr kumimoji="0" lang="en-US" sz="1800" b="0" i="0" u="none" strike="noStrike" kern="1200" cap="none" spc="0" normalizeH="0" baseline="0" noProof="0" dirty="0">
+                <a:ln>
+                  <a:noFill/>
+                </a:ln>
+                <a:solidFill>
+                  <a:srgbClr val="182642"/>
+                </a:solidFill>
+                <a:effectLst/>
+                <a:uLnTx/>
+                <a:uFillTx/>
+                <a:latin typeface="Courier New" panose="02070309020205020404" pitchFamily="49" charset="0"/>
+                <a:cs typeface="Courier New" panose="02070309020205020404" pitchFamily="49" charset="0"/>
+              </a:rPr>
+              <a:t> </a:t>
+            </a:r>
+            <a:r>
+              <a:rPr lang="en-US" dirty="0"/>
+              <a:t>avoid overfitting </a:t>
+            </a:r>
+          </a:p>
+          <a:p>
+            <a:pPr marL="285750" marR="0" lvl="0" indent="-285750" algn="l" defTabSz="914400" rtl="0" eaLnBrk="1" fontAlgn="auto" latinLnBrk="0" hangingPunct="1">
+              <a:lnSpc>
+                <a:spcPct val="90000"/>
+              </a:lnSpc>
+              <a:spcBef>
+                <a:spcPts val="1000"/>
+              </a:spcBef>
+              <a:spcAft>
+                <a:spcPts val="0"/>
+              </a:spcAft>
+              <a:buClrTx/>
+              <a:buSzTx/>
+              <a:buFont typeface="Arial" panose="020B0604020202020204" pitchFamily="34" charset="0"/>
+              <a:buChar char="•"/>
+              <a:tabLst/>
+              <a:defRPr/>
+            </a:pPr>
+            <a:r>
+              <a:rPr lang="en-US" dirty="0"/>
+              <a:t>Residual analysis and testing </a:t>
+            </a:r>
+          </a:p>
+          <a:p>
+            <a:pPr marL="285750" marR="0" lvl="0" indent="-285750" algn="l" defTabSz="914400" rtl="0" eaLnBrk="1" fontAlgn="auto" latinLnBrk="0" hangingPunct="1">
+              <a:lnSpc>
+                <a:spcPct val="90000"/>
+              </a:lnSpc>
+              <a:spcBef>
+                <a:spcPts val="1000"/>
+              </a:spcBef>
+              <a:spcAft>
+                <a:spcPts val="0"/>
+              </a:spcAft>
+              <a:buClrTx/>
+              <a:buSzTx/>
+              <a:buFont typeface="Arial" panose="020B0604020202020204" pitchFamily="34" charset="0"/>
+              <a:buChar char="•"/>
+              <a:tabLst/>
+              <a:defRPr/>
+            </a:pPr>
+            <a:endParaRPr kumimoji="0" lang="en-US" sz="1800" b="0" i="0" u="none" strike="noStrike" kern="1200" cap="none" spc="0" normalizeH="0" baseline="0" noProof="0" dirty="0">
+              <a:ln>
+                <a:noFill/>
+              </a:ln>
+              <a:solidFill>
+                <a:srgbClr val="182642"/>
+              </a:solidFill>
+              <a:effectLst/>
+              <a:uLnTx/>
+              <a:uFillTx/>
+              <a:latin typeface="+mn-lt"/>
+              <a:cs typeface="Courier New" panose="02070309020205020404" pitchFamily="49" charset="0"/>
+            </a:endParaRPr>
+          </a:p>
+          <a:p>
+            <a:pPr marL="285750" indent="-285750">
+              <a:buFont typeface="Arial" panose="020B0604020202020204" pitchFamily="34" charset="0"/>
+              <a:buChar char="•"/>
+            </a:pPr>
+            <a:endParaRPr lang="en-US" sz="1000" dirty="0">
+              <a:latin typeface="+mn-lt"/>
+            </a:endParaRPr>
+          </a:p>
+        </p:txBody>
+      </p:sp>
+      <p:sp>
+        <p:nvSpPr>
+          <p:cNvPr id="5" name="TextBox 4">
+            <a:extLst>
+              <a:ext uri="{FF2B5EF4-FFF2-40B4-BE49-F238E27FC236}">
+                <a16:creationId xmlns:a16="http://schemas.microsoft.com/office/drawing/2014/main" id="{2819BA8D-A6F0-3330-38B8-9C4C3644834B}"/>
+              </a:ext>
+            </a:extLst>
+          </p:cNvPr>
+          <p:cNvSpPr txBox="1"/>
+          <p:nvPr/>
+        </p:nvSpPr>
+        <p:spPr>
+          <a:xfrm>
+            <a:off x="6990593" y="5050721"/>
+            <a:ext cx="5028582" cy="738664"/>
+          </a:xfrm>
+          <a:prstGeom prst="rect">
+            <a:avLst/>
+          </a:prstGeom>
+          <a:noFill/>
+        </p:spPr>
+        <p:txBody>
+          <a:bodyPr wrap="square" rtlCol="0">
+            <a:spAutoFit/>
+          </a:bodyPr>
+          <a:lstStyle/>
+          <a:p>
+            <a:r>
+              <a:rPr lang="en-US" sz="1400" b="1" dirty="0"/>
+              <a:t>Figure</a:t>
+            </a:r>
+            <a:r>
+              <a:rPr lang="en-US" sz="1400" dirty="0"/>
+              <a:t>: In “An overview of gradient descent optimization algorithms” Sebastian Ruder says: “Adam might be the best overall choice”  </a:t>
+            </a:r>
+            <a:r>
+              <a:rPr lang="en-US" sz="1400" b="1" dirty="0"/>
+              <a:t>[9]</a:t>
+            </a:r>
+            <a:endParaRPr lang="it-IT" sz="1400" b="1" dirty="0"/>
+          </a:p>
+        </p:txBody>
+      </p:sp>
+      <p:pic>
+        <p:nvPicPr>
+          <p:cNvPr id="7" name="Picture 6" descr="A graph of a graph&#10;&#10;Description automatically generated with medium confidence">
+            <a:extLst>
+              <a:ext uri="{FF2B5EF4-FFF2-40B4-BE49-F238E27FC236}">
+                <a16:creationId xmlns:a16="http://schemas.microsoft.com/office/drawing/2014/main" id="{C291E3C3-15AA-C3FB-CDBC-17C22152F9BE}"/>
+              </a:ext>
+            </a:extLst>
+          </p:cNvPr>
+          <p:cNvPicPr>
+            <a:picLocks noChangeAspect="1"/>
+          </p:cNvPicPr>
+          <p:nvPr/>
+        </p:nvPicPr>
+        <p:blipFill>
+          <a:blip r:embed="rId2"/>
+          <a:stretch>
+            <a:fillRect/>
+          </a:stretch>
+        </p:blipFill>
+        <p:spPr>
+          <a:xfrm>
+            <a:off x="7749125" y="1566250"/>
+            <a:ext cx="3497052" cy="3392662"/>
+          </a:xfrm>
+          <a:prstGeom prst="rect">
+            <a:avLst/>
+          </a:prstGeom>
+        </p:spPr>
+      </p:pic>
+    </p:spTree>
+    <p:extLst>
+      <p:ext uri="{BB962C8B-B14F-4D97-AF65-F5344CB8AC3E}">
+        <p14:creationId xmlns:p14="http://schemas.microsoft.com/office/powerpoint/2010/main" val="2923088270"/>
+      </p:ext>
+    </p:extLst>
+  </p:cSld>
+  <p:clrMapOvr>
+    <a:masterClrMapping/>
+  </p:clrMapOvr>
+</p:sld>
+</file>
+
+<file path=ppt/slides/slide41.xml><?xml version="1.0" encoding="utf-8"?>
 <p:sld xmlns:a="http://schemas.openxmlformats.org/drawingml/2006/main" xmlns:r="http://schemas.openxmlformats.org/officeDocument/2006/relationships" xmlns:p="http://schemas.openxmlformats.org/presentationml/2006/main">
   <p:cSld>
     <p:spTree>
@@ -23369,7 +23683,7 @@
 </p:sld>
 </file>
 
-<file path=ppt/slides/slide41.xml><?xml version="1.0" encoding="utf-8"?>
+<file path=ppt/slides/slide42.xml><?xml version="1.0" encoding="utf-8"?>
 <p:sld xmlns:a="http://schemas.openxmlformats.org/drawingml/2006/main" xmlns:r="http://schemas.openxmlformats.org/officeDocument/2006/relationships" xmlns:p="http://schemas.openxmlformats.org/presentationml/2006/main">
   <p:cSld>
     <p:spTree>
@@ -23475,7 +23789,7 @@
 </p:sld>
 </file>
 
-<file path=ppt/slides/slide42.xml><?xml version="1.0" encoding="utf-8"?>
+<file path=ppt/slides/slide43.xml><?xml version="1.0" encoding="utf-8"?>
 <p:sld xmlns:a="http://schemas.openxmlformats.org/drawingml/2006/main" xmlns:r="http://schemas.openxmlformats.org/officeDocument/2006/relationships" xmlns:p="http://schemas.openxmlformats.org/presentationml/2006/main">
   <p:cSld>
     <p:spTree>
@@ -23581,7 +23895,7 @@
 </p:sld>
 </file>
 
-<file path=ppt/slides/slide43.xml><?xml version="1.0" encoding="utf-8"?>
+<file path=ppt/slides/slide44.xml><?xml version="1.0" encoding="utf-8"?>
 <p:sld xmlns:a="http://schemas.openxmlformats.org/drawingml/2006/main" xmlns:r="http://schemas.openxmlformats.org/officeDocument/2006/relationships" xmlns:p="http://schemas.openxmlformats.org/presentationml/2006/main">
   <p:cSld>
     <p:spTree>
@@ -23687,7 +24001,7 @@
 </p:sld>
 </file>
 
-<file path=ppt/slides/slide44.xml><?xml version="1.0" encoding="utf-8"?>
+<file path=ppt/slides/slide45.xml><?xml version="1.0" encoding="utf-8"?>
 <p:sld xmlns:a="http://schemas.openxmlformats.org/drawingml/2006/main" xmlns:r="http://schemas.openxmlformats.org/officeDocument/2006/relationships" xmlns:p="http://schemas.openxmlformats.org/presentationml/2006/main">
   <p:cSld>
     <p:spTree>
@@ -23911,7 +24225,7 @@
 </p:sld>
 </file>
 
-<file path=ppt/slides/slide45.xml><?xml version="1.0" encoding="utf-8"?>
+<file path=ppt/slides/slide46.xml><?xml version="1.0" encoding="utf-8"?>
 <p:sld xmlns:a="http://schemas.openxmlformats.org/drawingml/2006/main" xmlns:r="http://schemas.openxmlformats.org/officeDocument/2006/relationships" xmlns:p="http://schemas.openxmlformats.org/presentationml/2006/main">
   <p:cSld>
     <p:spTree>
@@ -24465,7 +24779,7 @@
 </p:sld>
 </file>
 
-<file path=ppt/slides/slide46.xml><?xml version="1.0" encoding="utf-8"?>
+<file path=ppt/slides/slide47.xml><?xml version="1.0" encoding="utf-8"?>
 <p:sld xmlns:a="http://schemas.openxmlformats.org/drawingml/2006/main" xmlns:r="http://schemas.openxmlformats.org/officeDocument/2006/relationships" xmlns:p="http://schemas.openxmlformats.org/presentationml/2006/main">
   <p:cSld>
     <p:spTree>
@@ -25038,7 +25352,7 @@
 </p:sld>
 </file>
 
-<file path=ppt/slides/slide47.xml><?xml version="1.0" encoding="utf-8"?>
+<file path=ppt/slides/slide48.xml><?xml version="1.0" encoding="utf-8"?>
 <p:sld xmlns:a="http://schemas.openxmlformats.org/drawingml/2006/main" xmlns:r="http://schemas.openxmlformats.org/officeDocument/2006/relationships" xmlns:p="http://schemas.openxmlformats.org/presentationml/2006/main">
   <p:cSld>
     <p:spTree>
@@ -25850,7 +26164,7 @@
               <a:rPr lang="en-US" sz="1600" b="0" dirty="0">
                 <a:latin typeface="+mn-lt"/>
               </a:rPr>
-              <a:t>analyze the Ammonia phenomenon using a statistical and a machine learning approaches. Also understand which are the most significant covariates that influence Ammonia concentrations in the </a:t>
+              <a:t>analyze the Ammonia phenomenon using statistical and a machine learning approaches. Also understand which are the most significant covariates that influence Ammonia concentrations in the </a:t>
             </a:r>
             <a:r>
               <a:rPr lang="en-US" sz="1600" b="0" dirty="0" err="1">
@@ -25932,6 +26246,11 @@
               </a:rPr>
               <a:t>RMSE</a:t>
             </a:r>
+          </a:p>
+          <a:p>
+            <a:endParaRPr lang="en-US" sz="1600" b="0" dirty="0">
+              <a:latin typeface="+mn-lt"/>
+            </a:endParaRPr>
           </a:p>
           <a:p>
             <a:r>

--- a/Time series project/documentation/slides.pptx
+++ b/Time series project/documentation/slides.pptx
@@ -1711,7 +1711,7 @@
           <a:p>
             <a:fld id="{8DC85F60-0429-014B-94F4-5F04CDE84950}" type="datetimeFigureOut">
               <a:rPr lang="it-IT" smtClean="0"/>
-              <a:t>20/02/2024</a:t>
+              <a:t>21/02/2024</a:t>
             </a:fld>
             <a:endParaRPr lang="it-IT"/>
           </a:p>
@@ -19129,7 +19129,7 @@
                 <a:latin typeface="Courier New" panose="02070309020205020404" pitchFamily="49" charset="0"/>
                 <a:cs typeface="Courier New" panose="02070309020205020404" pitchFamily="49" charset="0"/>
               </a:rPr>
-              <a:t>AR1_I0_MA3 </a:t>
+              <a:t>AR1_I0_MA2 </a:t>
             </a:r>
             <a:r>
               <a:rPr lang="en-US" dirty="0"/>
@@ -21596,15 +21596,23 @@
                 </a:pPr>
                 <a:r>
                   <a:rPr lang="en-US" dirty="0" err="1">
-                    <a:latin typeface="+mn-lt"/>
+                    <a:latin typeface="Courier New" panose="02070309020205020404" pitchFamily="49" charset="0"/>
+                    <a:cs typeface="Courier New" panose="02070309020205020404" pitchFamily="49" charset="0"/>
                   </a:rPr>
                   <a:t>max_depth</a:t>
                 </a:r>
                 <a:r>
                   <a:rPr lang="en-US" dirty="0">
+                    <a:latin typeface="Courier New" panose="02070309020205020404" pitchFamily="49" charset="0"/>
+                    <a:cs typeface="Courier New" panose="02070309020205020404" pitchFamily="49" charset="0"/>
+                  </a:rPr>
+                  <a:t> </a:t>
+                </a:r>
+                <a:r>
+                  <a:rPr lang="en-US" dirty="0">
                     <a:latin typeface="+mn-lt"/>
                   </a:rPr>
-                  <a:t> indicates the max number of splits per decision tree, higher value means low bias but high variance </a:t>
+                  <a:t>indicates the max number of splits per decision tree, higher value means low bias but high variance </a:t>
                 </a:r>
               </a:p>
               <a:p>
@@ -21620,15 +21628,23 @@
                 </a:r>
                 <a:r>
                   <a:rPr lang="en-US" dirty="0" err="1">
-                    <a:latin typeface="+mn-lt"/>
+                    <a:latin typeface="Courier New" panose="02070309020205020404" pitchFamily="49" charset="0"/>
+                    <a:cs typeface="Courier New" panose="02070309020205020404" pitchFamily="49" charset="0"/>
                   </a:rPr>
                   <a:t>max_depth</a:t>
                 </a:r>
                 <a:r>
                   <a:rPr lang="en-US" dirty="0">
+                    <a:latin typeface="Courier New" panose="02070309020205020404" pitchFamily="49" charset="0"/>
+                    <a:cs typeface="Courier New" panose="02070309020205020404" pitchFamily="49" charset="0"/>
+                  </a:rPr>
+                  <a:t> </a:t>
+                </a:r>
+                <a:r>
+                  <a:rPr lang="en-US" dirty="0">
                     <a:latin typeface="+mn-lt"/>
                   </a:rPr>
-                  <a:t> of the decision trees to pick up the best model </a:t>
+                  <a:t>of the decision trees to pick up the best model </a:t>
                 </a:r>
               </a:p>
               <a:p>
@@ -21688,7 +21704,7 @@
               <a:blipFill>
                 <a:blip r:embed="rId2"/>
                 <a:stretch>
-                  <a:fillRect l="-623" t="-1634" r="-727"/>
+                  <a:fillRect l="-623" t="-1634" r="-831"/>
                 </a:stretch>
               </a:blipFill>
             </p:spPr>
@@ -21721,7 +21737,7 @@
         </p:nvSpPr>
         <p:spPr>
           <a:xfrm>
-            <a:off x="7001529" y="4177106"/>
+            <a:off x="7067517" y="4177106"/>
             <a:ext cx="5344175" cy="307777"/>
           </a:xfrm>
           <a:prstGeom prst="rect">
@@ -21767,10 +21783,10 @@
       </p:sp>
       <p:pic>
         <p:nvPicPr>
-          <p:cNvPr id="12" name="Picture 11">
+          <p:cNvPr id="5" name="Picture 4">
             <a:extLst>
               <a:ext uri="{FF2B5EF4-FFF2-40B4-BE49-F238E27FC236}">
-                <a16:creationId xmlns:a16="http://schemas.microsoft.com/office/drawing/2014/main" id="{ED577B7D-EBD6-C325-E9DC-65775009B304}"/>
+                <a16:creationId xmlns:a16="http://schemas.microsoft.com/office/drawing/2014/main" id="{939861C6-052E-8CE9-60F8-9C518BEC8EB7}"/>
               </a:ext>
             </a:extLst>
           </p:cNvPr>
@@ -21787,8 +21803,8 @@
         </p:blipFill>
         <p:spPr>
           <a:xfrm>
-            <a:off x="7001529" y="2073370"/>
-            <a:ext cx="4963179" cy="2079642"/>
+            <a:off x="7001529" y="2129687"/>
+            <a:ext cx="4977139" cy="2045062"/>
           </a:xfrm>
           <a:prstGeom prst="rect">
             <a:avLst/>
@@ -26246,11 +26262,6 @@
               </a:rPr>
               <a:t>RMSE</a:t>
             </a:r>
-          </a:p>
-          <a:p>
-            <a:endParaRPr lang="en-US" sz="1600" b="0" dirty="0">
-              <a:latin typeface="+mn-lt"/>
-            </a:endParaRPr>
           </a:p>
           <a:p>
             <a:r>
@@ -26979,21 +26990,6 @@
 </file>
 
 <file path=customXml/item1.xml><?xml version="1.0" encoding="utf-8"?>
-<?mso-contentType ?>
-<FormTemplates xmlns="http://schemas.microsoft.com/sharepoint/v3/contenttype/forms">
-  <Display>DocumentLibraryForm</Display>
-  <Edit>DocumentLibraryForm</Edit>
-  <New>DocumentLibraryForm</New>
-</FormTemplates>
-</file>
-
-<file path=customXml/item2.xml><?xml version="1.0" encoding="utf-8"?>
-<p:properties xmlns:p="http://schemas.microsoft.com/office/2006/metadata/properties" xmlns:xsi="http://www.w3.org/2001/XMLSchema-instance" xmlns:pc="http://schemas.microsoft.com/office/infopath/2007/PartnerControls">
-  <documentManagement/>
-</p:properties>
-</file>
-
-<file path=customXml/item3.xml><?xml version="1.0" encoding="utf-8"?>
 <ct:contentTypeSchema xmlns:ct="http://schemas.microsoft.com/office/2006/metadata/contentType" xmlns:ma="http://schemas.microsoft.com/office/2006/metadata/properties/metaAttributes" ct:_="" ma:_="" ma:contentTypeName="Document" ma:contentTypeID="0x0101007FA92114A3471B4D8F75B1A14ABF07B0" ma:contentTypeVersion="3" ma:contentTypeDescription="Create a new document." ma:contentTypeScope="" ma:versionID="dc5e32ad0b5863b816b4167c8922ade9">
   <xsd:schema xmlns:xsd="http://www.w3.org/2001/XMLSchema" xmlns:xs="http://www.w3.org/2001/XMLSchema" xmlns:p="http://schemas.microsoft.com/office/2006/metadata/properties" xmlns:ns2="809c6131-60c3-40ed-bebd-38afa601eb8e" targetNamespace="http://schemas.microsoft.com/office/2006/metadata/properties" ma:root="true" ma:fieldsID="9f7d7087c3f04ca7f4b17243e3c04ba3" ns2:_="">
     <xsd:import namespace="809c6131-60c3-40ed-bebd-38afa601eb8e"/>
@@ -27131,24 +27127,22 @@
 </ct:contentTypeSchema>
 </file>
 
-<file path=customXml/itemProps1.xml><?xml version="1.0" encoding="utf-8"?>
-<ds:datastoreItem xmlns:ds="http://schemas.openxmlformats.org/officeDocument/2006/customXml" ds:itemID="{FD5420AD-F65E-45FC-8478-AAEBB23A9A58}">
-  <ds:schemaRefs>
-    <ds:schemaRef ds:uri="http://schemas.microsoft.com/sharepoint/v3/contenttype/forms"/>
-  </ds:schemaRefs>
-</ds:datastoreItem>
+<file path=customXml/item2.xml><?xml version="1.0" encoding="utf-8"?>
+<?mso-contentType ?>
+<FormTemplates xmlns="http://schemas.microsoft.com/sharepoint/v3/contenttype/forms">
+  <Display>DocumentLibraryForm</Display>
+  <Edit>DocumentLibraryForm</Edit>
+  <New>DocumentLibraryForm</New>
+</FormTemplates>
 </file>
 
-<file path=customXml/itemProps2.xml><?xml version="1.0" encoding="utf-8"?>
-<ds:datastoreItem xmlns:ds="http://schemas.openxmlformats.org/officeDocument/2006/customXml" ds:itemID="{A170CEDD-4D03-4752-A3C8-E0F0233490F4}">
-  <ds:schemaRefs>
-    <ds:schemaRef ds:uri="http://schemas.microsoft.com/office/2006/metadata/properties"/>
-    <ds:schemaRef ds:uri="http://schemas.microsoft.com/office/infopath/2007/PartnerControls"/>
-  </ds:schemaRefs>
-</ds:datastoreItem>
+<file path=customXml/item3.xml><?xml version="1.0" encoding="utf-8"?>
+<p:properties xmlns:p="http://schemas.microsoft.com/office/2006/metadata/properties" xmlns:xsi="http://www.w3.org/2001/XMLSchema-instance" xmlns:pc="http://schemas.microsoft.com/office/infopath/2007/PartnerControls">
+  <documentManagement/>
+</p:properties>
 </file>
 
-<file path=customXml/itemProps3.xml><?xml version="1.0" encoding="utf-8"?>
+<file path=customXml/itemProps1.xml><?xml version="1.0" encoding="utf-8"?>
 <ds:datastoreItem xmlns:ds="http://schemas.openxmlformats.org/officeDocument/2006/customXml" ds:itemID="{3CE8F801-4AED-4DBC-B5D8-CBB684A211FE}">
   <ds:schemaRefs>
     <ds:schemaRef ds:uri="http://schemas.microsoft.com/office/2006/metadata/contentType"/>
@@ -27164,4 +27158,28 @@
     <ds:schemaRef ds:uri="http://schemas.microsoft.com/internal/obd"/>
   </ds:schemaRefs>
 </ds:datastoreItem>
+</file>
+
+<file path=customXml/itemProps2.xml><?xml version="1.0" encoding="utf-8"?>
+<ds:datastoreItem xmlns:ds="http://schemas.openxmlformats.org/officeDocument/2006/customXml" ds:itemID="{FD5420AD-F65E-45FC-8478-AAEBB23A9A58}">
+  <ds:schemaRefs>
+    <ds:schemaRef ds:uri="http://schemas.microsoft.com/sharepoint/v3/contenttype/forms"/>
+  </ds:schemaRefs>
+</ds:datastoreItem>
+</file>
+
+<file path=customXml/itemProps3.xml><?xml version="1.0" encoding="utf-8"?>
+<ds:datastoreItem xmlns:ds="http://schemas.openxmlformats.org/officeDocument/2006/customXml" ds:itemID="{A170CEDD-4D03-4752-A3C8-E0F0233490F4}">
+  <ds:schemaRefs>
+    <ds:schemaRef ds:uri="http://purl.org/dc/elements/1.1/"/>
+    <ds:schemaRef ds:uri="809c6131-60c3-40ed-bebd-38afa601eb8e"/>
+    <ds:schemaRef ds:uri="http://schemas.microsoft.com/office/2006/documentManagement/types"/>
+    <ds:schemaRef ds:uri="http://schemas.openxmlformats.org/package/2006/metadata/core-properties"/>
+    <ds:schemaRef ds:uri="http://purl.org/dc/terms/"/>
+    <ds:schemaRef ds:uri="http://schemas.microsoft.com/office/infopath/2007/PartnerControls"/>
+    <ds:schemaRef ds:uri="http://schemas.microsoft.com/office/2006/metadata/properties"/>
+    <ds:schemaRef ds:uri="http://www.w3.org/XML/1998/namespace"/>
+    <ds:schemaRef ds:uri="http://purl.org/dc/dcmitype/"/>
+  </ds:schemaRefs>
+</ds:datastoreItem>
 </file>
--- a/Time series project/documentation/slides.pptx
+++ b/Time series project/documentation/slides.pptx
@@ -40,8 +40,8 @@
     <p:sldId id="391" r:id="rId34"/>
     <p:sldId id="393" r:id="rId35"/>
     <p:sldId id="394" r:id="rId36"/>
-    <p:sldId id="395" r:id="rId37"/>
-    <p:sldId id="396" r:id="rId38"/>
+    <p:sldId id="396" r:id="rId37"/>
+    <p:sldId id="395" r:id="rId38"/>
     <p:sldId id="397" r:id="rId39"/>
     <p:sldId id="399" r:id="rId40"/>
     <p:sldId id="400" r:id="rId41"/>
@@ -21956,6 +21956,112 @@
         <p:cNvPr id="1" name="">
           <a:extLst>
             <a:ext uri="{FF2B5EF4-FFF2-40B4-BE49-F238E27FC236}">
+              <a16:creationId xmlns:a16="http://schemas.microsoft.com/office/drawing/2014/main" id="{DC74B870-4AD5-D724-E6AF-D93245394CDC}"/>
+            </a:ext>
+          </a:extLst>
+        </p:cNvPr>
+        <p:cNvGrpSpPr/>
+        <p:nvPr/>
+      </p:nvGrpSpPr>
+      <p:grpSpPr>
+        <a:xfrm>
+          <a:off x="0" y="0"/>
+          <a:ext cx="0" cy="0"/>
+          <a:chOff x="0" y="0"/>
+          <a:chExt cx="0" cy="0"/>
+        </a:xfrm>
+      </p:grpSpPr>
+      <p:sp>
+        <p:nvSpPr>
+          <p:cNvPr id="5" name="TextBox 4">
+            <a:extLst>
+              <a:ext uri="{FF2B5EF4-FFF2-40B4-BE49-F238E27FC236}">
+                <a16:creationId xmlns:a16="http://schemas.microsoft.com/office/drawing/2014/main" id="{A9CB3B33-A3AA-4BD3-DD7E-7AF9E468D05B}"/>
+              </a:ext>
+            </a:extLst>
+          </p:cNvPr>
+          <p:cNvSpPr txBox="1"/>
+          <p:nvPr/>
+        </p:nvSpPr>
+        <p:spPr>
+          <a:xfrm>
+            <a:off x="1840210" y="5231877"/>
+            <a:ext cx="8122728" cy="307777"/>
+          </a:xfrm>
+          <a:prstGeom prst="rect">
+            <a:avLst/>
+          </a:prstGeom>
+          <a:noFill/>
+        </p:spPr>
+        <p:txBody>
+          <a:bodyPr wrap="square" rtlCol="0">
+            <a:spAutoFit/>
+          </a:bodyPr>
+          <a:lstStyle/>
+          <a:p>
+            <a:r>
+              <a:rPr lang="en-US" sz="1400" b="1" dirty="0"/>
+              <a:t>Figure</a:t>
+            </a:r>
+            <a:r>
+              <a:rPr lang="en-US" sz="1400" dirty="0"/>
+              <a:t>: Gain of the 10 most important features used for splitting in the decision trees</a:t>
+            </a:r>
+            <a:endParaRPr lang="it-IT" sz="1400" dirty="0"/>
+          </a:p>
+        </p:txBody>
+      </p:sp>
+      <p:pic>
+        <p:nvPicPr>
+          <p:cNvPr id="6" name="Picture 5" descr="A graph with a bar graph&#10;&#10;Description automatically generated">
+            <a:extLst>
+              <a:ext uri="{FF2B5EF4-FFF2-40B4-BE49-F238E27FC236}">
+                <a16:creationId xmlns:a16="http://schemas.microsoft.com/office/drawing/2014/main" id="{AAADC887-F0C7-2CCF-106D-CA6C0B711D0F}"/>
+              </a:ext>
+            </a:extLst>
+          </p:cNvPr>
+          <p:cNvPicPr>
+            <a:picLocks noChangeAspect="1"/>
+          </p:cNvPicPr>
+          <p:nvPr/>
+        </p:nvPicPr>
+        <p:blipFill>
+          <a:blip r:embed="rId2"/>
+          <a:stretch>
+            <a:fillRect/>
+          </a:stretch>
+        </p:blipFill>
+        <p:spPr>
+          <a:xfrm>
+            <a:off x="1379072" y="162479"/>
+            <a:ext cx="7783781" cy="5069398"/>
+          </a:xfrm>
+          <a:prstGeom prst="rect">
+            <a:avLst/>
+          </a:prstGeom>
+        </p:spPr>
+      </p:pic>
+    </p:spTree>
+    <p:extLst>
+      <p:ext uri="{BB962C8B-B14F-4D97-AF65-F5344CB8AC3E}">
+        <p14:creationId xmlns:p14="http://schemas.microsoft.com/office/powerpoint/2010/main" val="2528059703"/>
+      </p:ext>
+    </p:extLst>
+  </p:cSld>
+  <p:clrMapOvr>
+    <a:masterClrMapping/>
+  </p:clrMapOvr>
+</p:sld>
+</file>
+
+<file path=ppt/slides/slide34.xml><?xml version="1.0" encoding="utf-8"?>
+<p:sld xmlns:a="http://schemas.openxmlformats.org/drawingml/2006/main" xmlns:r="http://schemas.openxmlformats.org/officeDocument/2006/relationships" xmlns:p="http://schemas.openxmlformats.org/presentationml/2006/main">
+  <p:cSld>
+    <p:spTree>
+      <p:nvGrpSpPr>
+        <p:cNvPr id="1" name="">
+          <a:extLst>
+            <a:ext uri="{FF2B5EF4-FFF2-40B4-BE49-F238E27FC236}">
               <a16:creationId xmlns:a16="http://schemas.microsoft.com/office/drawing/2014/main" id="{D123F738-AA86-B1A5-C544-61B593F4C4E6}"/>
             </a:ext>
           </a:extLst>
@@ -22045,112 +22151,6 @@
     <p:extLst>
       <p:ext uri="{BB962C8B-B14F-4D97-AF65-F5344CB8AC3E}">
         <p14:creationId xmlns:p14="http://schemas.microsoft.com/office/powerpoint/2010/main" val="1617788911"/>
-      </p:ext>
-    </p:extLst>
-  </p:cSld>
-  <p:clrMapOvr>
-    <a:masterClrMapping/>
-  </p:clrMapOvr>
-</p:sld>
-</file>
-
-<file path=ppt/slides/slide34.xml><?xml version="1.0" encoding="utf-8"?>
-<p:sld xmlns:a="http://schemas.openxmlformats.org/drawingml/2006/main" xmlns:r="http://schemas.openxmlformats.org/officeDocument/2006/relationships" xmlns:p="http://schemas.openxmlformats.org/presentationml/2006/main">
-  <p:cSld>
-    <p:spTree>
-      <p:nvGrpSpPr>
-        <p:cNvPr id="1" name="">
-          <a:extLst>
-            <a:ext uri="{FF2B5EF4-FFF2-40B4-BE49-F238E27FC236}">
-              <a16:creationId xmlns:a16="http://schemas.microsoft.com/office/drawing/2014/main" id="{DC74B870-4AD5-D724-E6AF-D93245394CDC}"/>
-            </a:ext>
-          </a:extLst>
-        </p:cNvPr>
-        <p:cNvGrpSpPr/>
-        <p:nvPr/>
-      </p:nvGrpSpPr>
-      <p:grpSpPr>
-        <a:xfrm>
-          <a:off x="0" y="0"/>
-          <a:ext cx="0" cy="0"/>
-          <a:chOff x="0" y="0"/>
-          <a:chExt cx="0" cy="0"/>
-        </a:xfrm>
-      </p:grpSpPr>
-      <p:sp>
-        <p:nvSpPr>
-          <p:cNvPr id="5" name="TextBox 4">
-            <a:extLst>
-              <a:ext uri="{FF2B5EF4-FFF2-40B4-BE49-F238E27FC236}">
-                <a16:creationId xmlns:a16="http://schemas.microsoft.com/office/drawing/2014/main" id="{A9CB3B33-A3AA-4BD3-DD7E-7AF9E468D05B}"/>
-              </a:ext>
-            </a:extLst>
-          </p:cNvPr>
-          <p:cNvSpPr txBox="1"/>
-          <p:nvPr/>
-        </p:nvSpPr>
-        <p:spPr>
-          <a:xfrm>
-            <a:off x="1840210" y="5231877"/>
-            <a:ext cx="8122728" cy="307777"/>
-          </a:xfrm>
-          <a:prstGeom prst="rect">
-            <a:avLst/>
-          </a:prstGeom>
-          <a:noFill/>
-        </p:spPr>
-        <p:txBody>
-          <a:bodyPr wrap="square" rtlCol="0">
-            <a:spAutoFit/>
-          </a:bodyPr>
-          <a:lstStyle/>
-          <a:p>
-            <a:r>
-              <a:rPr lang="en-US" sz="1400" b="1" dirty="0"/>
-              <a:t>Figure</a:t>
-            </a:r>
-            <a:r>
-              <a:rPr lang="en-US" sz="1400" dirty="0"/>
-              <a:t>: Gain of the 10 most important features used for splitting in the decision trees</a:t>
-            </a:r>
-            <a:endParaRPr lang="it-IT" sz="1400" dirty="0"/>
-          </a:p>
-        </p:txBody>
-      </p:sp>
-      <p:pic>
-        <p:nvPicPr>
-          <p:cNvPr id="6" name="Picture 5" descr="A graph with a bar graph&#10;&#10;Description automatically generated">
-            <a:extLst>
-              <a:ext uri="{FF2B5EF4-FFF2-40B4-BE49-F238E27FC236}">
-                <a16:creationId xmlns:a16="http://schemas.microsoft.com/office/drawing/2014/main" id="{AAADC887-F0C7-2CCF-106D-CA6C0B711D0F}"/>
-              </a:ext>
-            </a:extLst>
-          </p:cNvPr>
-          <p:cNvPicPr>
-            <a:picLocks noChangeAspect="1"/>
-          </p:cNvPicPr>
-          <p:nvPr/>
-        </p:nvPicPr>
-        <p:blipFill>
-          <a:blip r:embed="rId2"/>
-          <a:stretch>
-            <a:fillRect/>
-          </a:stretch>
-        </p:blipFill>
-        <p:spPr>
-          <a:xfrm>
-            <a:off x="1379072" y="162479"/>
-            <a:ext cx="7783781" cy="5069398"/>
-          </a:xfrm>
-          <a:prstGeom prst="rect">
-            <a:avLst/>
-          </a:prstGeom>
-        </p:spPr>
-      </p:pic>
-    </p:spTree>
-    <p:extLst>
-      <p:ext uri="{BB962C8B-B14F-4D97-AF65-F5344CB8AC3E}">
-        <p14:creationId xmlns:p14="http://schemas.microsoft.com/office/powerpoint/2010/main" val="2528059703"/>
       </p:ext>
     </p:extLst>
   </p:cSld>
@@ -26990,6 +26990,21 @@
 </file>
 
 <file path=customXml/item1.xml><?xml version="1.0" encoding="utf-8"?>
+<?mso-contentType ?>
+<FormTemplates xmlns="http://schemas.microsoft.com/sharepoint/v3/contenttype/forms">
+  <Display>DocumentLibraryForm</Display>
+  <Edit>DocumentLibraryForm</Edit>
+  <New>DocumentLibraryForm</New>
+</FormTemplates>
+</file>
+
+<file path=customXml/item2.xml><?xml version="1.0" encoding="utf-8"?>
+<p:properties xmlns:p="http://schemas.microsoft.com/office/2006/metadata/properties" xmlns:xsi="http://www.w3.org/2001/XMLSchema-instance" xmlns:pc="http://schemas.microsoft.com/office/infopath/2007/PartnerControls">
+  <documentManagement/>
+</p:properties>
+</file>
+
+<file path=customXml/item3.xml><?xml version="1.0" encoding="utf-8"?>
 <ct:contentTypeSchema xmlns:ct="http://schemas.microsoft.com/office/2006/metadata/contentType" xmlns:ma="http://schemas.microsoft.com/office/2006/metadata/properties/metaAttributes" ct:_="" ma:_="" ma:contentTypeName="Document" ma:contentTypeID="0x0101007FA92114A3471B4D8F75B1A14ABF07B0" ma:contentTypeVersion="3" ma:contentTypeDescription="Create a new document." ma:contentTypeScope="" ma:versionID="dc5e32ad0b5863b816b4167c8922ade9">
   <xsd:schema xmlns:xsd="http://www.w3.org/2001/XMLSchema" xmlns:xs="http://www.w3.org/2001/XMLSchema" xmlns:p="http://schemas.microsoft.com/office/2006/metadata/properties" xmlns:ns2="809c6131-60c3-40ed-bebd-38afa601eb8e" targetNamespace="http://schemas.microsoft.com/office/2006/metadata/properties" ma:root="true" ma:fieldsID="9f7d7087c3f04ca7f4b17243e3c04ba3" ns2:_="">
     <xsd:import namespace="809c6131-60c3-40ed-bebd-38afa601eb8e"/>
@@ -27127,22 +27142,31 @@
 </ct:contentTypeSchema>
 </file>
 
-<file path=customXml/item2.xml><?xml version="1.0" encoding="utf-8"?>
-<?mso-contentType ?>
-<FormTemplates xmlns="http://schemas.microsoft.com/sharepoint/v3/contenttype/forms">
-  <Display>DocumentLibraryForm</Display>
-  <Edit>DocumentLibraryForm</Edit>
-  <New>DocumentLibraryForm</New>
-</FormTemplates>
+<file path=customXml/itemProps1.xml><?xml version="1.0" encoding="utf-8"?>
+<ds:datastoreItem xmlns:ds="http://schemas.openxmlformats.org/officeDocument/2006/customXml" ds:itemID="{FD5420AD-F65E-45FC-8478-AAEBB23A9A58}">
+  <ds:schemaRefs>
+    <ds:schemaRef ds:uri="http://schemas.microsoft.com/sharepoint/v3/contenttype/forms"/>
+  </ds:schemaRefs>
+</ds:datastoreItem>
 </file>
 
-<file path=customXml/item3.xml><?xml version="1.0" encoding="utf-8"?>
-<p:properties xmlns:p="http://schemas.microsoft.com/office/2006/metadata/properties" xmlns:xsi="http://www.w3.org/2001/XMLSchema-instance" xmlns:pc="http://schemas.microsoft.com/office/infopath/2007/PartnerControls">
-  <documentManagement/>
-</p:properties>
+<file path=customXml/itemProps2.xml><?xml version="1.0" encoding="utf-8"?>
+<ds:datastoreItem xmlns:ds="http://schemas.openxmlformats.org/officeDocument/2006/customXml" ds:itemID="{A170CEDD-4D03-4752-A3C8-E0F0233490F4}">
+  <ds:schemaRefs>
+    <ds:schemaRef ds:uri="http://purl.org/dc/elements/1.1/"/>
+    <ds:schemaRef ds:uri="809c6131-60c3-40ed-bebd-38afa601eb8e"/>
+    <ds:schemaRef ds:uri="http://schemas.microsoft.com/office/2006/documentManagement/types"/>
+    <ds:schemaRef ds:uri="http://schemas.openxmlformats.org/package/2006/metadata/core-properties"/>
+    <ds:schemaRef ds:uri="http://purl.org/dc/terms/"/>
+    <ds:schemaRef ds:uri="http://schemas.microsoft.com/office/infopath/2007/PartnerControls"/>
+    <ds:schemaRef ds:uri="http://schemas.microsoft.com/office/2006/metadata/properties"/>
+    <ds:schemaRef ds:uri="http://www.w3.org/XML/1998/namespace"/>
+    <ds:schemaRef ds:uri="http://purl.org/dc/dcmitype/"/>
+  </ds:schemaRefs>
+</ds:datastoreItem>
 </file>
 
-<file path=customXml/itemProps1.xml><?xml version="1.0" encoding="utf-8"?>
+<file path=customXml/itemProps3.xml><?xml version="1.0" encoding="utf-8"?>
 <ds:datastoreItem xmlns:ds="http://schemas.openxmlformats.org/officeDocument/2006/customXml" ds:itemID="{3CE8F801-4AED-4DBC-B5D8-CBB684A211FE}">
   <ds:schemaRefs>
     <ds:schemaRef ds:uri="http://schemas.microsoft.com/office/2006/metadata/contentType"/>
@@ -27158,28 +27182,4 @@
     <ds:schemaRef ds:uri="http://schemas.microsoft.com/internal/obd"/>
   </ds:schemaRefs>
 </ds:datastoreItem>
-</file>
-
-<file path=customXml/itemProps2.xml><?xml version="1.0" encoding="utf-8"?>
-<ds:datastoreItem xmlns:ds="http://schemas.openxmlformats.org/officeDocument/2006/customXml" ds:itemID="{FD5420AD-F65E-45FC-8478-AAEBB23A9A58}">
-  <ds:schemaRefs>
-    <ds:schemaRef ds:uri="http://schemas.microsoft.com/sharepoint/v3/contenttype/forms"/>
-  </ds:schemaRefs>
-</ds:datastoreItem>
-</file>
-
-<file path=customXml/itemProps3.xml><?xml version="1.0" encoding="utf-8"?>
-<ds:datastoreItem xmlns:ds="http://schemas.openxmlformats.org/officeDocument/2006/customXml" ds:itemID="{A170CEDD-4D03-4752-A3C8-E0F0233490F4}">
-  <ds:schemaRefs>
-    <ds:schemaRef ds:uri="http://purl.org/dc/elements/1.1/"/>
-    <ds:schemaRef ds:uri="809c6131-60c3-40ed-bebd-38afa601eb8e"/>
-    <ds:schemaRef ds:uri="http://schemas.microsoft.com/office/2006/documentManagement/types"/>
-    <ds:schemaRef ds:uri="http://schemas.openxmlformats.org/package/2006/metadata/core-properties"/>
-    <ds:schemaRef ds:uri="http://purl.org/dc/terms/"/>
-    <ds:schemaRef ds:uri="http://schemas.microsoft.com/office/infopath/2007/PartnerControls"/>
-    <ds:schemaRef ds:uri="http://schemas.microsoft.com/office/2006/metadata/properties"/>
-    <ds:schemaRef ds:uri="http://www.w3.org/XML/1998/namespace"/>
-    <ds:schemaRef ds:uri="http://purl.org/dc/dcmitype/"/>
-  </ds:schemaRefs>
-</ds:datastoreItem>
 </file>